--- a/Projet Web dynamique.pptx
+++ b/Projet Web dynamique.pptx
@@ -5,10 +5,10 @@
     <p:sldMasterId id="2147483648" r:id="rId4"/>
   </p:sldMasterIdLst>
   <p:notesMasterIdLst>
-    <p:notesMasterId r:id="rId16"/>
+    <p:notesMasterId r:id="rId17"/>
   </p:notesMasterIdLst>
   <p:handoutMasterIdLst>
-    <p:handoutMasterId r:id="rId17"/>
+    <p:handoutMasterId r:id="rId18"/>
   </p:handoutMasterIdLst>
   <p:sldIdLst>
     <p:sldId id="265" r:id="rId5"/>
@@ -21,12 +21,13 @@
     <p:sldId id="326" r:id="rId12"/>
     <p:sldId id="327" r:id="rId13"/>
     <p:sldId id="328" r:id="rId14"/>
-    <p:sldId id="320" r:id="rId15"/>
+    <p:sldId id="329" r:id="rId15"/>
+    <p:sldId id="320" r:id="rId16"/>
   </p:sldIdLst>
   <p:sldSz cx="12188825" cy="6858000"/>
   <p:notesSz cx="6858000" cy="9144000"/>
   <p:custDataLst>
-    <p:tags r:id="rId18"/>
+    <p:tags r:id="rId19"/>
   </p:custDataLst>
   <p:defaultTextStyle>
     <a:defPPr rtl="0">
@@ -229,7 +230,7 @@
             <a:pPr algn="r" rtl="0"/>
             <a:fld id="{4FD0811F-65A0-45DC-A418-D7D88257DA14}" type="datetime1">
               <a:rPr lang="fr-FR" smtClean="0"/>
-              <a:t>04/05/2019</a:t>
+              <a:t>05/05/2019</a:t>
             </a:fld>
             <a:endParaRPr lang="fr-FR" dirty="0"/>
           </a:p>
@@ -399,7 +400,7 @@
             <a:fld id="{869BCCB5-3197-42F0-A23E-FBF35BB6BD6D}" type="datetime1">
               <a:rPr lang="fr-FR" smtClean="0"/>
               <a:pPr/>
-              <a:t>04/05/2019</a:t>
+              <a:t>05/05/2019</a:t>
             </a:fld>
             <a:endParaRPr lang="fr-FR" dirty="0"/>
           </a:p>
@@ -1005,7 +1006,7 @@
             <a:fld id="{C169FE22-A35D-4AA5-9ED0-CA5AA0D08EE7}" type="datetime1">
               <a:rPr lang="fr-FR" smtClean="0"/>
               <a:pPr/>
-              <a:t>04/05/2019</a:t>
+              <a:t>05/05/2019</a:t>
             </a:fld>
             <a:endParaRPr lang="fr-FR" dirty="0"/>
           </a:p>
@@ -1205,7 +1206,7 @@
             <a:fld id="{4B2D50EC-F18A-4356-A82F-ED015F56C2C6}" type="datetime1">
               <a:rPr lang="fr-FR" smtClean="0"/>
               <a:pPr/>
-              <a:t>04/05/2019</a:t>
+              <a:t>05/05/2019</a:t>
             </a:fld>
             <a:endParaRPr lang="fr-FR" dirty="0"/>
           </a:p>
@@ -1402,7 +1403,7 @@
             <a:fld id="{D8AB5196-52B1-4918-B153-34A0C9A4A7AD}" type="datetime1">
               <a:rPr lang="fr-FR" smtClean="0"/>
               <a:pPr/>
-              <a:t>04/05/2019</a:t>
+              <a:t>05/05/2019</a:t>
             </a:fld>
             <a:endParaRPr lang="fr-FR" dirty="0"/>
           </a:p>
@@ -1690,7 +1691,7 @@
             <a:fld id="{7399499F-CA45-4A76-BC24-F973E24AC3FB}" type="datetime1">
               <a:rPr lang="fr-FR" smtClean="0"/>
               <a:pPr/>
-              <a:t>04/05/2019</a:t>
+              <a:t>05/05/2019</a:t>
             </a:fld>
             <a:endParaRPr lang="fr-FR" dirty="0"/>
           </a:p>
@@ -2002,7 +2003,7 @@
             <a:fld id="{3817870C-A0A5-4D92-B86D-C2791EFA3A23}" type="datetime1">
               <a:rPr lang="fr-FR" smtClean="0"/>
               <a:pPr/>
-              <a:t>04/05/2019</a:t>
+              <a:t>05/05/2019</a:t>
             </a:fld>
             <a:endParaRPr lang="fr-FR" dirty="0"/>
           </a:p>
@@ -2470,7 +2471,7 @@
             <a:fld id="{812A7B89-83CE-4355-8D19-9AD5D8179E27}" type="datetime1">
               <a:rPr lang="fr-FR" smtClean="0"/>
               <a:pPr/>
-              <a:t>04/05/2019</a:t>
+              <a:t>05/05/2019</a:t>
             </a:fld>
             <a:endParaRPr lang="fr-FR" dirty="0"/>
           </a:p>
@@ -2612,7 +2613,7 @@
             <a:fld id="{EA4593A4-CD22-4D89-9631-B432485C88BE}" type="datetime1">
               <a:rPr lang="fr-FR" smtClean="0"/>
               <a:pPr/>
-              <a:t>04/05/2019</a:t>
+              <a:t>05/05/2019</a:t>
             </a:fld>
             <a:endParaRPr lang="fr-FR" dirty="0"/>
           </a:p>
@@ -2734,7 +2735,7 @@
             <a:fld id="{88F3045D-8AE6-4E47-932F-47FA387FEA34}" type="datetime1">
               <a:rPr lang="fr-FR" smtClean="0"/>
               <a:pPr/>
-              <a:t>04/05/2019</a:t>
+              <a:t>05/05/2019</a:t>
             </a:fld>
             <a:endParaRPr lang="fr-FR" dirty="0"/>
           </a:p>
@@ -3064,7 +3065,7 @@
             <a:fld id="{2282C9DA-93FE-4DDE-8920-2C8AB1F5E18A}" type="datetime1">
               <a:rPr lang="fr-FR" smtClean="0"/>
               <a:pPr/>
-              <a:t>04/05/2019</a:t>
+              <a:t>05/05/2019</a:t>
             </a:fld>
             <a:endParaRPr lang="fr-FR" dirty="0"/>
           </a:p>
@@ -3384,7 +3385,7 @@
             <a:fld id="{EB002A6A-F78C-474F-BA6B-17AE42EC613D}" type="datetime1">
               <a:rPr lang="fr-FR" smtClean="0"/>
               <a:pPr/>
-              <a:t>04/05/2019</a:t>
+              <a:t>05/05/2019</a:t>
             </a:fld>
             <a:endParaRPr lang="fr-FR" dirty="0"/>
           </a:p>
@@ -3621,7 +3622,7 @@
             <a:fld id="{B1406553-4B01-4903-B663-70E503E45D52}" type="datetime1">
               <a:rPr lang="fr-FR" smtClean="0"/>
               <a:pPr/>
-              <a:t>04/05/2019</a:t>
+              <a:t>05/05/2019</a:t>
             </a:fld>
             <a:endParaRPr lang="fr-FR" dirty="0"/>
           </a:p>
@@ -4233,7 +4234,7 @@
           <p:cNvPr id="2" name="Titre 1">
             <a:extLst>
               <a:ext uri="{FF2B5EF4-FFF2-40B4-BE49-F238E27FC236}">
-                <a16:creationId xmlns:a16="http://schemas.microsoft.com/office/drawing/2014/main" id="{8958A7A6-5F4C-44BD-9A76-3B797EB2FFA3}"/>
+                <a16:creationId xmlns:a16="http://schemas.microsoft.com/office/drawing/2014/main" id="{5B79E9A6-7E7F-4B06-A222-700659FBD37D}"/>
               </a:ext>
             </a:extLst>
           </p:cNvPr>
@@ -4247,14 +4248,13 @@
         <p:spPr>
           <a:xfrm>
             <a:off x="1522413" y="381000"/>
-            <a:ext cx="9144001" cy="815752"/>
+            <a:ext cx="9144001" cy="1103784"/>
           </a:xfrm>
         </p:spPr>
         <p:txBody>
           <a:bodyPr/>
           <a:lstStyle/>
           <a:p>
-            <a:pPr algn="ctr"/>
             <a:r>
               <a:rPr lang="fr-FR" dirty="0"/>
               <a:t>Bilans individuels</a:t>
@@ -4267,7 +4267,7 @@
           <p:cNvPr id="3" name="Espace réservé du contenu 2">
             <a:extLst>
               <a:ext uri="{FF2B5EF4-FFF2-40B4-BE49-F238E27FC236}">
-                <a16:creationId xmlns:a16="http://schemas.microsoft.com/office/drawing/2014/main" id="{DC20CE92-59A9-4836-80D1-AB19C146625A}"/>
+                <a16:creationId xmlns:a16="http://schemas.microsoft.com/office/drawing/2014/main" id="{A02E737D-6FC1-4E58-95CB-B006A8F0E751}"/>
               </a:ext>
             </a:extLst>
           </p:cNvPr>
@@ -4280,8 +4280,8 @@
         </p:nvSpPr>
         <p:spPr>
           <a:xfrm>
-            <a:off x="1" y="1412777"/>
-            <a:ext cx="12188824" cy="5445224"/>
+            <a:off x="549796" y="1904999"/>
+            <a:ext cx="11089231" cy="4692353"/>
           </a:xfrm>
         </p:spPr>
         <p:txBody>
@@ -4293,151 +4293,152 @@
             </a:pPr>
             <a:r>
               <a:rPr lang="fr-FR" cap="all" dirty="0"/>
-              <a:t>François Bachelier </a:t>
+              <a:t>François Bachelier C</a:t>
             </a:r>
             <a:r>
               <a:rPr lang="fr-FR" dirty="0"/>
-              <a:t>Clément</a:t>
-            </a:r>
-            <a:r>
-              <a:rPr lang="fr-FR" cap="all" dirty="0"/>
-              <a:t> :</a:t>
-            </a:r>
-          </a:p>
-          <a:p>
-            <a:pPr marL="0" indent="0">
+              <a:t>lément :</a:t>
+            </a:r>
+          </a:p>
+          <a:p>
+            <a:pPr algn="just"/>
+            <a:endParaRPr lang="fr-FR" cap="all" dirty="0"/>
+          </a:p>
+          <a:p>
+            <a:pPr marL="0" indent="0" algn="just">
               <a:buNone/>
             </a:pPr>
-            <a:endParaRPr lang="fr-FR" dirty="0"/>
-          </a:p>
-          <a:p>
-            <a:pPr marL="0" indent="0">
+            <a:endParaRPr lang="fr-FR" cap="all" dirty="0"/>
+          </a:p>
+          <a:p>
+            <a:pPr marL="0" indent="0" algn="just">
               <a:buNone/>
             </a:pPr>
-            <a:endParaRPr lang="fr-FR" dirty="0"/>
-          </a:p>
-          <a:p>
-            <a:pPr marL="0" indent="0">
+            <a:endParaRPr lang="fr-FR" cap="all" dirty="0"/>
+          </a:p>
+          <a:p>
+            <a:pPr marL="0" indent="0" algn="just">
               <a:buNone/>
             </a:pPr>
-            <a:endParaRPr lang="fr-FR" dirty="0"/>
-          </a:p>
-          <a:p>
-            <a:pPr marL="0" indent="0">
+            <a:endParaRPr lang="fr-FR" cap="all" dirty="0"/>
+          </a:p>
+          <a:p>
+            <a:pPr marL="0" indent="0" algn="just">
               <a:buNone/>
             </a:pPr>
-            <a:endParaRPr lang="fr-FR" dirty="0"/>
-          </a:p>
-          <a:p>
-            <a:pPr marL="0" indent="0">
+            <a:endParaRPr lang="fr-FR" cap="all" dirty="0"/>
+          </a:p>
+          <a:p>
+            <a:pPr marL="0" indent="0" algn="just">
               <a:buNone/>
             </a:pPr>
-            <a:endParaRPr lang="fr-FR" dirty="0"/>
-          </a:p>
-          <a:p>
-            <a:pPr marL="0" indent="0">
+            <a:endParaRPr lang="fr-FR" cap="all" dirty="0"/>
+          </a:p>
+          <a:p>
+            <a:pPr marL="0" indent="0" algn="just">
               <a:buNone/>
             </a:pPr>
-            <a:endParaRPr lang="fr-FR" dirty="0"/>
-          </a:p>
-          <a:p>
-            <a:pPr marL="0" indent="0">
+            <a:endParaRPr lang="fr-FR" cap="all" dirty="0"/>
+          </a:p>
+          <a:p>
+            <a:pPr marL="0" indent="0" algn="just">
               <a:buNone/>
             </a:pPr>
-            <a:endParaRPr lang="fr-FR" dirty="0"/>
-          </a:p>
-          <a:p>
-            <a:pPr marL="0" indent="0">
+            <a:r>
+              <a:rPr lang="fr-FR" cap="all" dirty="0"/>
+              <a:t>POISSONNIER-LAUNAY T</a:t>
+            </a:r>
+            <a:r>
+              <a:rPr lang="fr-FR" dirty="0"/>
+              <a:t>erence :</a:t>
+            </a:r>
+          </a:p>
+          <a:p>
+            <a:pPr algn="just"/>
+            <a:endParaRPr lang="fr-FR" cap="all" dirty="0"/>
+          </a:p>
+          <a:p>
+            <a:pPr marL="0" indent="0" algn="just">
               <a:buNone/>
             </a:pPr>
-            <a:endParaRPr lang="fr-FR" dirty="0"/>
-          </a:p>
-          <a:p>
-            <a:pPr marL="0" indent="0">
+            <a:endParaRPr lang="fr-FR" cap="all" dirty="0"/>
+          </a:p>
+          <a:p>
+            <a:pPr marL="0" indent="0" algn="just">
               <a:buNone/>
             </a:pPr>
-            <a:r>
-              <a:rPr lang="fr-FR" cap="all" dirty="0"/>
-              <a:t>Poissonnier-Launay </a:t>
-            </a:r>
-            <a:r>
-              <a:rPr lang="fr-FR" dirty="0"/>
-              <a:t>Terence</a:t>
-            </a:r>
-            <a:r>
-              <a:rPr lang="fr-FR" cap="all" dirty="0"/>
-              <a:t> :</a:t>
-            </a:r>
-          </a:p>
-          <a:p>
-            <a:pPr marL="0" indent="0">
+            <a:endParaRPr lang="fr-FR" cap="all" dirty="0"/>
+          </a:p>
+          <a:p>
+            <a:pPr marL="0" indent="0" algn="just">
               <a:buNone/>
             </a:pPr>
-            <a:endParaRPr lang="fr-FR" dirty="0"/>
-          </a:p>
-          <a:p>
-            <a:pPr marL="0" indent="0">
+            <a:endParaRPr lang="fr-FR" cap="all" dirty="0"/>
+          </a:p>
+          <a:p>
+            <a:pPr marL="0" indent="0" algn="just">
               <a:buNone/>
             </a:pPr>
-            <a:endParaRPr lang="fr-FR" dirty="0"/>
-          </a:p>
-          <a:p>
-            <a:pPr marL="0" indent="0">
+            <a:endParaRPr lang="fr-FR" cap="all" dirty="0"/>
+          </a:p>
+          <a:p>
+            <a:pPr marL="0" indent="0" algn="just">
               <a:buNone/>
             </a:pPr>
-            <a:endParaRPr lang="fr-FR" dirty="0"/>
-          </a:p>
-          <a:p>
-            <a:pPr marL="0" indent="0">
+            <a:endParaRPr lang="fr-FR" cap="all" dirty="0"/>
+          </a:p>
+          <a:p>
+            <a:pPr marL="0" indent="0" algn="just">
               <a:buNone/>
             </a:pPr>
-            <a:endParaRPr lang="fr-FR" dirty="0"/>
-          </a:p>
-          <a:p>
-            <a:pPr marL="0" indent="0">
+            <a:endParaRPr lang="fr-FR" cap="all" dirty="0"/>
+          </a:p>
+          <a:p>
+            <a:pPr marL="0" indent="0" algn="just">
               <a:buNone/>
             </a:pPr>
-            <a:endParaRPr lang="fr-FR" dirty="0"/>
-          </a:p>
-          <a:p>
-            <a:pPr marL="0" indent="0">
-              <a:buNone/>
-            </a:pPr>
-            <a:endParaRPr lang="fr-FR" dirty="0"/>
-          </a:p>
-          <a:p>
-            <a:pPr marL="0" indent="0">
-              <a:buNone/>
-            </a:pPr>
-            <a:endParaRPr lang="fr-FR" dirty="0"/>
-          </a:p>
-          <a:p>
-            <a:pPr marL="0" indent="0">
-              <a:buNone/>
-            </a:pPr>
-            <a:endParaRPr lang="fr-FR" dirty="0"/>
-          </a:p>
-          <a:p>
-            <a:pPr marL="0" indent="0">
-              <a:buNone/>
-            </a:pPr>
+            <a:r>
+              <a:rPr lang="fr-FR" cap="all" dirty="0"/>
+              <a:t>HUBERT P</a:t>
+            </a:r>
             <a:r>
               <a:rPr lang="fr-FR" dirty="0"/>
-              <a:t>HUBERT Philippe :</a:t>
-            </a:r>
-          </a:p>
-          <a:p>
-            <a:pPr marL="0" indent="0">
-              <a:buNone/>
-            </a:pPr>
-            <a:endParaRPr lang="fr-FR" dirty="0"/>
+              <a:t>hilippe : </a:t>
+            </a:r>
+          </a:p>
+          <a:p>
+            <a:r>
+              <a:rPr lang="fr-FR" dirty="0"/>
+              <a:t>Navigation sur le site web</a:t>
+            </a:r>
+          </a:p>
+          <a:p>
+            <a:r>
+              <a:rPr lang="fr-FR" dirty="0"/>
+              <a:t>Affichage du menu</a:t>
+            </a:r>
+          </a:p>
+          <a:p>
+            <a:r>
+              <a:rPr lang="fr-FR" dirty="0"/>
+              <a:t>Design et contenu des entêtes et pieds de pages</a:t>
+            </a:r>
+          </a:p>
+          <a:p>
+            <a:r>
+              <a:rPr lang="fr-FR" dirty="0"/>
+              <a:t>Agencement et structuration des différentes pages du site</a:t>
+            </a:r>
+          </a:p>
+          <a:p>
+            <a:endParaRPr lang="fr-FR" cap="all" dirty="0"/>
           </a:p>
         </p:txBody>
       </p:sp>
     </p:spTree>
     <p:extLst>
       <p:ext uri="{BB962C8B-B14F-4D97-AF65-F5344CB8AC3E}">
-        <p14:creationId xmlns:p14="http://schemas.microsoft.com/office/powerpoint/2010/main" val="3414692576"/>
+        <p14:creationId xmlns:p14="http://schemas.microsoft.com/office/powerpoint/2010/main" val="3152118122"/>
       </p:ext>
     </p:extLst>
   </p:cSld>
@@ -4481,6 +4482,101 @@
           <p:cNvPr id="2" name="Titre 1">
             <a:extLst>
               <a:ext uri="{FF2B5EF4-FFF2-40B4-BE49-F238E27FC236}">
+                <a16:creationId xmlns:a16="http://schemas.microsoft.com/office/drawing/2014/main" id="{BACC4149-A941-4C8E-B670-EBD92343676C}"/>
+              </a:ext>
+            </a:extLst>
+          </p:cNvPr>
+          <p:cNvSpPr>
+            <a:spLocks noGrp="1"/>
+          </p:cNvSpPr>
+          <p:nvPr>
+            <p:ph type="title"/>
+          </p:nvPr>
+        </p:nvSpPr>
+        <p:spPr/>
+        <p:txBody>
+          <a:bodyPr/>
+          <a:lstStyle/>
+          <a:p>
+            <a:r>
+              <a:rPr lang="fr-FR" dirty="0"/>
+              <a:t>Bilan collectif</a:t>
+            </a:r>
+          </a:p>
+        </p:txBody>
+      </p:sp>
+      <p:sp>
+        <p:nvSpPr>
+          <p:cNvPr id="3" name="Espace réservé du contenu 2">
+            <a:extLst>
+              <a:ext uri="{FF2B5EF4-FFF2-40B4-BE49-F238E27FC236}">
+                <a16:creationId xmlns:a16="http://schemas.microsoft.com/office/drawing/2014/main" id="{08D7F065-E6D9-49F0-B17E-289B286ADFA6}"/>
+              </a:ext>
+            </a:extLst>
+          </p:cNvPr>
+          <p:cNvSpPr>
+            <a:spLocks noGrp="1"/>
+          </p:cNvSpPr>
+          <p:nvPr>
+            <p:ph idx="1"/>
+          </p:nvPr>
+        </p:nvSpPr>
+        <p:spPr/>
+        <p:txBody>
+          <a:bodyPr/>
+          <a:lstStyle/>
+          <a:p>
+            <a:endParaRPr lang="fr-FR" dirty="0"/>
+          </a:p>
+        </p:txBody>
+      </p:sp>
+    </p:spTree>
+    <p:extLst>
+      <p:ext uri="{BB962C8B-B14F-4D97-AF65-F5344CB8AC3E}">
+        <p14:creationId xmlns:p14="http://schemas.microsoft.com/office/powerpoint/2010/main" val="2848265883"/>
+      </p:ext>
+    </p:extLst>
+  </p:cSld>
+  <p:clrMapOvr>
+    <a:masterClrMapping/>
+  </p:clrMapOvr>
+  <mc:AlternateContent xmlns:mc="http://schemas.openxmlformats.org/markup-compatibility/2006" xmlns:p14="http://schemas.microsoft.com/office/powerpoint/2010/main">
+    <mc:Choice Requires="p14">
+      <p:transition spd="med" p14:dur="700">
+        <p:fade/>
+      </p:transition>
+    </mc:Choice>
+    <mc:Fallback xmlns="">
+      <p:transition spd="med">
+        <p:fade/>
+      </p:transition>
+    </mc:Fallback>
+  </mc:AlternateContent>
+</p:sld>
+</file>
+
+<file path=ppt/slides/slide12.xml><?xml version="1.0" encoding="utf-8"?>
+<p:sld xmlns:a="http://schemas.openxmlformats.org/drawingml/2006/main" xmlns:r="http://schemas.openxmlformats.org/officeDocument/2006/relationships" xmlns:p="http://schemas.openxmlformats.org/presentationml/2006/main">
+  <p:cSld>
+    <p:spTree>
+      <p:nvGrpSpPr>
+        <p:cNvPr id="1" name=""/>
+        <p:cNvGrpSpPr/>
+        <p:nvPr/>
+      </p:nvGrpSpPr>
+      <p:grpSpPr>
+        <a:xfrm>
+          <a:off x="0" y="0"/>
+          <a:ext cx="0" cy="0"/>
+          <a:chOff x="0" y="0"/>
+          <a:chExt cx="0" cy="0"/>
+        </a:xfrm>
+      </p:grpSpPr>
+      <p:sp>
+        <p:nvSpPr>
+          <p:cNvPr id="2" name="Titre 1">
+            <a:extLst>
+              <a:ext uri="{FF2B5EF4-FFF2-40B4-BE49-F238E27FC236}">
                 <a16:creationId xmlns:a16="http://schemas.microsoft.com/office/drawing/2014/main" id="{B88786A0-8B88-4BF5-B7D1-E32AC7C1F6E2}"/>
               </a:ext>
             </a:extLst>
@@ -4584,13 +4680,7 @@
               <a:rPr lang="fr-FR" dirty="0">
                 <a:hlinkClick r:id="rId7"/>
               </a:rPr>
-              <a:t>l</a:t>
-            </a:r>
-            <a:r>
-              <a:rPr lang="fr-FR" dirty="0">
-                <a:hlinkClick r:id="rId7"/>
-              </a:rPr>
-              <a:t>earnlayout.com</a:t>
+              <a:t>learnlayout.com</a:t>
             </a:r>
             <a:endParaRPr lang="fr-FR" dirty="0"/>
           </a:p>
@@ -4821,13 +4911,7 @@
               <a:rPr lang="fr-FR" dirty="0">
                 <a:hlinkClick r:id="rId9"/>
               </a:rPr>
-              <a:t>w</a:t>
-            </a:r>
-            <a:r>
-              <a:rPr lang="fr-FR" dirty="0">
-                <a:hlinkClick r:id="rId9"/>
-              </a:rPr>
-              <a:t>3schools.com</a:t>
+              <a:t>w3schools.com</a:t>
             </a:r>
             <a:endParaRPr lang="fr-FR" dirty="0"/>
           </a:p>
@@ -5031,24 +5115,6 @@
       </p:grpSpPr>
       <p:sp>
         <p:nvSpPr>
-          <p:cNvPr id="2" name="Espace réservé pour une image  1">
-            <a:extLst>
-              <a:ext uri="{FF2B5EF4-FFF2-40B4-BE49-F238E27FC236}">
-                <a16:creationId xmlns:a16="http://schemas.microsoft.com/office/drawing/2014/main" id="{760609B7-31DE-466F-AC91-CBC41E0641F2}"/>
-              </a:ext>
-            </a:extLst>
-          </p:cNvPr>
-          <p:cNvSpPr>
-            <a:spLocks noGrp="1"/>
-          </p:cNvSpPr>
-          <p:nvPr>
-            <p:ph type="pic" idx="1"/>
-          </p:nvPr>
-        </p:nvSpPr>
-        <p:spPr/>
-      </p:sp>
-      <p:sp>
-        <p:nvSpPr>
           <p:cNvPr id="3" name="Titre 2">
             <a:extLst>
               <a:ext uri="{FF2B5EF4-FFF2-40B4-BE49-F238E27FC236}">
@@ -5091,18 +5157,54 @@
             <p:ph type="body" sz="half" idx="2"/>
           </p:nvPr>
         </p:nvSpPr>
-        <p:spPr/>
+        <p:spPr>
+          <a:xfrm>
+            <a:off x="549797" y="4729606"/>
+            <a:ext cx="3581399" cy="1371600"/>
+          </a:xfrm>
+        </p:spPr>
         <p:txBody>
           <a:bodyPr/>
           <a:lstStyle/>
           <a:p>
-            <a:r>
-              <a:rPr lang="fr-FR" dirty="0"/>
-              <a:t>(Commentaires sur l’image ci-contre)</a:t>
-            </a:r>
-          </a:p>
-        </p:txBody>
-      </p:sp>
+            <a:endParaRPr lang="fr-FR" dirty="0"/>
+          </a:p>
+        </p:txBody>
+      </p:sp>
+      <p:pic>
+        <p:nvPicPr>
+          <p:cNvPr id="10" name="Espace réservé pour une image  9">
+            <a:extLst>
+              <a:ext uri="{FF2B5EF4-FFF2-40B4-BE49-F238E27FC236}">
+                <a16:creationId xmlns:a16="http://schemas.microsoft.com/office/drawing/2014/main" id="{489EFD2C-75C9-4C0D-8041-4847C08236F3}"/>
+              </a:ext>
+            </a:extLst>
+          </p:cNvPr>
+          <p:cNvPicPr>
+            <a:picLocks noGrp="1" noChangeAspect="1"/>
+          </p:cNvPicPr>
+          <p:nvPr>
+            <p:ph type="pic" idx="1"/>
+          </p:nvPr>
+        </p:nvPicPr>
+        <p:blipFill rotWithShape="1">
+          <a:blip r:embed="rId2">
+            <a:extLst>
+              <a:ext uri="{28A0092B-C50C-407E-A947-70E740481C1C}">
+                <a14:useLocalDpi xmlns:a14="http://schemas.microsoft.com/office/drawing/2010/main" val="0"/>
+              </a:ext>
+            </a:extLst>
+          </a:blip>
+          <a:srcRect l="276" t="10929" r="276" b="10772"/>
+          <a:stretch/>
+        </p:blipFill>
+        <p:spPr>
+          <a:xfrm>
+            <a:off x="4951414" y="1268760"/>
+            <a:ext cx="6687614" cy="4363608"/>
+          </a:xfrm>
+        </p:spPr>
+      </p:pic>
     </p:spTree>
     <p:extLst>
       <p:ext uri="{BB962C8B-B14F-4D97-AF65-F5344CB8AC3E}">
@@ -5308,7 +5410,7 @@
         </p:nvSpPr>
         <p:spPr>
           <a:xfrm>
-            <a:off x="1197868" y="1752600"/>
+            <a:off x="786657" y="1752600"/>
             <a:ext cx="4741095" cy="914400"/>
           </a:xfrm>
         </p:spPr>
@@ -5334,36 +5436,41 @@
           </a:p>
         </p:txBody>
       </p:sp>
-      <p:sp>
-        <p:nvSpPr>
-          <p:cNvPr id="4" name="Espace réservé du contenu 3">
+      <p:pic>
+        <p:nvPicPr>
+          <p:cNvPr id="8" name="Espace réservé du contenu 7">
             <a:extLst>
               <a:ext uri="{FF2B5EF4-FFF2-40B4-BE49-F238E27FC236}">
-                <a16:creationId xmlns:a16="http://schemas.microsoft.com/office/drawing/2014/main" id="{A4402AB5-DC34-45AA-9142-93FDBC08BA07}"/>
+                <a16:creationId xmlns:a16="http://schemas.microsoft.com/office/drawing/2014/main" id="{C0651DE2-4D2E-4E2B-A72C-7CC4C6B9E034}"/>
               </a:ext>
             </a:extLst>
           </p:cNvPr>
-          <p:cNvSpPr>
-            <a:spLocks noGrp="1"/>
-          </p:cNvSpPr>
+          <p:cNvPicPr>
+            <a:picLocks noGrp="1" noChangeAspect="1"/>
+          </p:cNvPicPr>
           <p:nvPr>
             <p:ph sz="half" idx="2"/>
           </p:nvPr>
-        </p:nvSpPr>
+        </p:nvPicPr>
+        <p:blipFill>
+          <a:blip r:embed="rId2">
+            <a:extLst>
+              <a:ext uri="{28A0092B-C50C-407E-A947-70E740481C1C}">
+                <a14:useLocalDpi xmlns:a14="http://schemas.microsoft.com/office/drawing/2010/main" val="0"/>
+              </a:ext>
+            </a:extLst>
+          </a:blip>
+          <a:stretch>
+            <a:fillRect/>
+          </a:stretch>
+        </p:blipFill>
         <p:spPr>
           <a:xfrm>
-            <a:off x="1197868" y="2743200"/>
-            <a:ext cx="4741095" cy="3566119"/>
+            <a:off x="621804" y="2628698"/>
+            <a:ext cx="5060617" cy="4023536"/>
           </a:xfrm>
         </p:spPr>
-        <p:txBody>
-          <a:bodyPr/>
-          <a:lstStyle/>
-          <a:p>
-            <a:endParaRPr lang="fr-FR" dirty="0"/>
-          </a:p>
-        </p:txBody>
-      </p:sp>
+      </p:pic>
       <p:sp>
         <p:nvSpPr>
           <p:cNvPr id="5" name="Espace réservé du texte 4">
@@ -5382,7 +5489,7 @@
         </p:nvSpPr>
         <p:spPr>
           <a:xfrm>
-            <a:off x="6249860" y="1752600"/>
+            <a:off x="6664931" y="1737460"/>
             <a:ext cx="4741093" cy="914400"/>
           </a:xfrm>
         </p:spPr>
@@ -5397,36 +5504,41 @@
           </a:p>
         </p:txBody>
       </p:sp>
-      <p:sp>
-        <p:nvSpPr>
-          <p:cNvPr id="6" name="Espace réservé du contenu 5">
+      <p:pic>
+        <p:nvPicPr>
+          <p:cNvPr id="12" name="Espace réservé du contenu 11">
             <a:extLst>
               <a:ext uri="{FF2B5EF4-FFF2-40B4-BE49-F238E27FC236}">
-                <a16:creationId xmlns:a16="http://schemas.microsoft.com/office/drawing/2014/main" id="{75D9A63E-9443-470A-B3F7-336BA0B7C852}"/>
+                <a16:creationId xmlns:a16="http://schemas.microsoft.com/office/drawing/2014/main" id="{925ADD44-F5A2-4864-B420-83CFA35B2062}"/>
               </a:ext>
             </a:extLst>
           </p:cNvPr>
-          <p:cNvSpPr>
-            <a:spLocks noGrp="1"/>
-          </p:cNvSpPr>
+          <p:cNvPicPr>
+            <a:picLocks noGrp="1" noChangeAspect="1"/>
+          </p:cNvPicPr>
           <p:nvPr>
             <p:ph sz="quarter" idx="4"/>
           </p:nvPr>
-        </p:nvSpPr>
+        </p:nvPicPr>
+        <p:blipFill>
+          <a:blip r:embed="rId3">
+            <a:extLst>
+              <a:ext uri="{28A0092B-C50C-407E-A947-70E740481C1C}">
+                <a14:useLocalDpi xmlns:a14="http://schemas.microsoft.com/office/drawing/2010/main" val="0"/>
+              </a:ext>
+            </a:extLst>
+          </a:blip>
+          <a:stretch>
+            <a:fillRect/>
+          </a:stretch>
+        </p:blipFill>
         <p:spPr>
           <a:xfrm>
-            <a:off x="6249861" y="2743201"/>
-            <a:ext cx="4741094" cy="3566118"/>
+            <a:off x="6505170" y="2628698"/>
+            <a:ext cx="5060617" cy="4023536"/>
           </a:xfrm>
         </p:spPr>
-        <p:txBody>
-          <a:bodyPr/>
-          <a:lstStyle/>
-          <a:p>
-            <a:endParaRPr lang="fr-FR" dirty="0"/>
-          </a:p>
-        </p:txBody>
-      </p:sp>
+      </p:pic>
     </p:spTree>
     <p:extLst>
       <p:ext uri="{BB962C8B-B14F-4D97-AF65-F5344CB8AC3E}">
@@ -5487,7 +5599,7 @@
         </p:nvSpPr>
         <p:spPr>
           <a:xfrm>
-            <a:off x="405780" y="260648"/>
+            <a:off x="370077" y="394885"/>
             <a:ext cx="5533183" cy="936104"/>
           </a:xfrm>
         </p:spPr>
@@ -5495,40 +5607,53 @@
           <a:bodyPr/>
           <a:lstStyle/>
           <a:p>
+            <a:r>
+              <a:rPr lang="fr-FR" cap="none" dirty="0">
+                <a:cs typeface="Calibri" panose="020F0502020204030204" pitchFamily="34" charset="0"/>
+              </a:rPr>
+              <a:t>Maquette de la page de ventes flash</a:t>
+            </a:r>
+          </a:p>
+          <a:p>
             <a:endParaRPr lang="fr-FR" cap="none" dirty="0"/>
           </a:p>
         </p:txBody>
       </p:sp>
-      <p:sp>
-        <p:nvSpPr>
-          <p:cNvPr id="4" name="Espace réservé du contenu 3">
+      <p:pic>
+        <p:nvPicPr>
+          <p:cNvPr id="7" name="Espace réservé du contenu 6">
             <a:extLst>
               <a:ext uri="{FF2B5EF4-FFF2-40B4-BE49-F238E27FC236}">
-                <a16:creationId xmlns:a16="http://schemas.microsoft.com/office/drawing/2014/main" id="{10A20174-C4A5-448F-B82C-073E4B62B53E}"/>
+                <a16:creationId xmlns:a16="http://schemas.microsoft.com/office/drawing/2014/main" id="{D85F5345-4A13-4E2E-899E-792AF05EC44F}"/>
               </a:ext>
             </a:extLst>
           </p:cNvPr>
-          <p:cNvSpPr>
-            <a:spLocks noGrp="1"/>
-          </p:cNvSpPr>
+          <p:cNvPicPr>
+            <a:picLocks noGrp="1" noChangeAspect="1"/>
+          </p:cNvPicPr>
           <p:nvPr>
             <p:ph sz="half" idx="2"/>
           </p:nvPr>
-        </p:nvSpPr>
+        </p:nvPicPr>
+        <p:blipFill>
+          <a:blip r:embed="rId2">
+            <a:extLst>
+              <a:ext uri="{28A0092B-C50C-407E-A947-70E740481C1C}">
+                <a14:useLocalDpi xmlns:a14="http://schemas.microsoft.com/office/drawing/2010/main" val="0"/>
+              </a:ext>
+            </a:extLst>
+          </a:blip>
+          <a:stretch>
+            <a:fillRect/>
+          </a:stretch>
+        </p:blipFill>
         <p:spPr>
           <a:xfrm>
-            <a:off x="405780" y="1628800"/>
-            <a:ext cx="5533183" cy="4391001"/>
+            <a:off x="765820" y="1168303"/>
+            <a:ext cx="4001731" cy="4851497"/>
           </a:xfrm>
         </p:spPr>
-        <p:txBody>
-          <a:bodyPr/>
-          <a:lstStyle/>
-          <a:p>
-            <a:endParaRPr lang="fr-FR" dirty="0"/>
-          </a:p>
-        </p:txBody>
-      </p:sp>
+      </p:pic>
       <p:sp>
         <p:nvSpPr>
           <p:cNvPr id="5" name="Espace réservé du texte 4">
@@ -5547,7 +5672,7 @@
         </p:nvSpPr>
         <p:spPr>
           <a:xfrm>
-            <a:off x="6249860" y="260648"/>
+            <a:off x="6073908" y="252215"/>
             <a:ext cx="5533181" cy="936104"/>
           </a:xfrm>
         </p:spPr>
@@ -5555,40 +5680,53 @@
           <a:bodyPr/>
           <a:lstStyle/>
           <a:p>
+            <a:r>
+              <a:rPr lang="fr-FR" cap="none" dirty="0">
+                <a:cs typeface="Calibri" panose="020F0502020204030204" pitchFamily="34" charset="0"/>
+              </a:rPr>
+              <a:t>Maquette de la page d’ajout d’un article au panier </a:t>
+            </a:r>
+          </a:p>
+          <a:p>
             <a:endParaRPr lang="fr-FR" cap="none" dirty="0"/>
           </a:p>
         </p:txBody>
       </p:sp>
-      <p:sp>
-        <p:nvSpPr>
-          <p:cNvPr id="6" name="Espace réservé du contenu 5">
+      <p:pic>
+        <p:nvPicPr>
+          <p:cNvPr id="9" name="Espace réservé du contenu 8">
             <a:extLst>
               <a:ext uri="{FF2B5EF4-FFF2-40B4-BE49-F238E27FC236}">
-                <a16:creationId xmlns:a16="http://schemas.microsoft.com/office/drawing/2014/main" id="{01953138-DB99-431B-A113-6619ABDCC75A}"/>
+                <a16:creationId xmlns:a16="http://schemas.microsoft.com/office/drawing/2014/main" id="{07AAE2B9-6035-41AF-87EF-948B40066EAE}"/>
               </a:ext>
             </a:extLst>
           </p:cNvPr>
-          <p:cNvSpPr>
-            <a:spLocks noGrp="1"/>
-          </p:cNvSpPr>
+          <p:cNvPicPr>
+            <a:picLocks noGrp="1" noChangeAspect="1"/>
+          </p:cNvPicPr>
           <p:nvPr>
             <p:ph sz="quarter" idx="4"/>
           </p:nvPr>
-        </p:nvSpPr>
+        </p:nvPicPr>
+        <p:blipFill>
+          <a:blip r:embed="rId3">
+            <a:extLst>
+              <a:ext uri="{28A0092B-C50C-407E-A947-70E740481C1C}">
+                <a14:useLocalDpi xmlns:a14="http://schemas.microsoft.com/office/drawing/2010/main" val="0"/>
+              </a:ext>
+            </a:extLst>
+          </a:blip>
+          <a:stretch>
+            <a:fillRect/>
+          </a:stretch>
+        </p:blipFill>
         <p:spPr>
           <a:xfrm>
-            <a:off x="6249861" y="1628800"/>
-            <a:ext cx="5533182" cy="4391001"/>
+            <a:off x="6073909" y="1330989"/>
+            <a:ext cx="5533181" cy="4688812"/>
           </a:xfrm>
         </p:spPr>
-        <p:txBody>
-          <a:bodyPr/>
-          <a:lstStyle/>
-          <a:p>
-            <a:endParaRPr lang="fr-FR" dirty="0"/>
-          </a:p>
-        </p:txBody>
-      </p:sp>
+      </p:pic>
     </p:spTree>
     <p:extLst>
       <p:ext uri="{BB962C8B-B14F-4D97-AF65-F5344CB8AC3E}">
@@ -5649,7 +5787,7 @@
         </p:nvSpPr>
         <p:spPr>
           <a:xfrm>
-            <a:off x="405780" y="260648"/>
+            <a:off x="257129" y="260648"/>
             <a:ext cx="5533183" cy="936104"/>
           </a:xfrm>
         </p:spPr>
@@ -5657,40 +5795,53 @@
           <a:bodyPr/>
           <a:lstStyle/>
           <a:p>
+            <a:r>
+              <a:rPr lang="fr-FR" cap="none" dirty="0">
+                <a:cs typeface="Calibri" panose="020F0502020204030204" pitchFamily="34" charset="0"/>
+              </a:rPr>
+              <a:t>Maquette de la page de vente d’articles</a:t>
+            </a:r>
+          </a:p>
+          <a:p>
             <a:endParaRPr lang="fr-FR" cap="none" dirty="0"/>
           </a:p>
         </p:txBody>
       </p:sp>
-      <p:sp>
-        <p:nvSpPr>
-          <p:cNvPr id="4" name="Espace réservé du contenu 3">
+      <p:pic>
+        <p:nvPicPr>
+          <p:cNvPr id="7" name="Espace réservé du contenu 6">
             <a:extLst>
               <a:ext uri="{FF2B5EF4-FFF2-40B4-BE49-F238E27FC236}">
-                <a16:creationId xmlns:a16="http://schemas.microsoft.com/office/drawing/2014/main" id="{10A20174-C4A5-448F-B82C-073E4B62B53E}"/>
+                <a16:creationId xmlns:a16="http://schemas.microsoft.com/office/drawing/2014/main" id="{00BE448C-5A65-4B7A-BA15-5C2BD7F0D968}"/>
               </a:ext>
             </a:extLst>
           </p:cNvPr>
-          <p:cNvSpPr>
-            <a:spLocks noGrp="1"/>
-          </p:cNvSpPr>
+          <p:cNvPicPr>
+            <a:picLocks noGrp="1" noChangeAspect="1"/>
+          </p:cNvPicPr>
           <p:nvPr>
             <p:ph sz="half" idx="2"/>
           </p:nvPr>
-        </p:nvSpPr>
+        </p:nvPicPr>
+        <p:blipFill>
+          <a:blip r:embed="rId2">
+            <a:extLst>
+              <a:ext uri="{28A0092B-C50C-407E-A947-70E740481C1C}">
+                <a14:useLocalDpi xmlns:a14="http://schemas.microsoft.com/office/drawing/2010/main" val="0"/>
+              </a:ext>
+            </a:extLst>
+          </a:blip>
+          <a:stretch>
+            <a:fillRect/>
+          </a:stretch>
+        </p:blipFill>
         <p:spPr>
           <a:xfrm>
-            <a:off x="405780" y="1628800"/>
-            <a:ext cx="5533183" cy="4391001"/>
+            <a:off x="837828" y="1152850"/>
+            <a:ext cx="4248472" cy="5180599"/>
           </a:xfrm>
         </p:spPr>
-        <p:txBody>
-          <a:bodyPr/>
-          <a:lstStyle/>
-          <a:p>
-            <a:endParaRPr lang="fr-FR" dirty="0"/>
-          </a:p>
-        </p:txBody>
-      </p:sp>
+      </p:pic>
       <p:sp>
         <p:nvSpPr>
           <p:cNvPr id="5" name="Espace réservé du texte 4">
@@ -5709,7 +5860,7 @@
         </p:nvSpPr>
         <p:spPr>
           <a:xfrm>
-            <a:off x="6249860" y="260648"/>
+            <a:off x="6120045" y="252805"/>
             <a:ext cx="5533181" cy="936104"/>
           </a:xfrm>
         </p:spPr>
@@ -5717,40 +5868,53 @@
           <a:bodyPr/>
           <a:lstStyle/>
           <a:p>
+            <a:r>
+              <a:rPr lang="fr-FR" cap="none" dirty="0">
+                <a:cs typeface="Calibri" panose="020F0502020204030204" pitchFamily="34" charset="0"/>
+              </a:rPr>
+              <a:t>Maquette de la page de connexion</a:t>
+            </a:r>
+          </a:p>
+          <a:p>
             <a:endParaRPr lang="fr-FR" cap="none" dirty="0"/>
           </a:p>
         </p:txBody>
       </p:sp>
-      <p:sp>
-        <p:nvSpPr>
-          <p:cNvPr id="6" name="Espace réservé du contenu 5">
+      <p:pic>
+        <p:nvPicPr>
+          <p:cNvPr id="9" name="Espace réservé du contenu 8">
             <a:extLst>
               <a:ext uri="{FF2B5EF4-FFF2-40B4-BE49-F238E27FC236}">
-                <a16:creationId xmlns:a16="http://schemas.microsoft.com/office/drawing/2014/main" id="{01953138-DB99-431B-A113-6619ABDCC75A}"/>
+                <a16:creationId xmlns:a16="http://schemas.microsoft.com/office/drawing/2014/main" id="{D8FE1C62-0D58-498F-B0C9-40857A8AB213}"/>
               </a:ext>
             </a:extLst>
           </p:cNvPr>
-          <p:cNvSpPr>
-            <a:spLocks noGrp="1"/>
-          </p:cNvSpPr>
+          <p:cNvPicPr>
+            <a:picLocks noGrp="1" noChangeAspect="1"/>
+          </p:cNvPicPr>
           <p:nvPr>
             <p:ph sz="quarter" idx="4"/>
           </p:nvPr>
-        </p:nvSpPr>
+        </p:nvPicPr>
+        <p:blipFill>
+          <a:blip r:embed="rId3">
+            <a:extLst>
+              <a:ext uri="{28A0092B-C50C-407E-A947-70E740481C1C}">
+                <a14:useLocalDpi xmlns:a14="http://schemas.microsoft.com/office/drawing/2010/main" val="0"/>
+              </a:ext>
+            </a:extLst>
+          </a:blip>
+          <a:stretch>
+            <a:fillRect/>
+          </a:stretch>
+        </p:blipFill>
         <p:spPr>
           <a:xfrm>
-            <a:off x="6249861" y="1628800"/>
-            <a:ext cx="5533182" cy="4391001"/>
+            <a:off x="5734373" y="1216635"/>
+            <a:ext cx="5872718" cy="4976535"/>
           </a:xfrm>
         </p:spPr>
-        <p:txBody>
-          <a:bodyPr/>
-          <a:lstStyle/>
-          <a:p>
-            <a:endParaRPr lang="fr-FR" dirty="0"/>
-          </a:p>
-        </p:txBody>
-      </p:sp>
+      </p:pic>
     </p:spTree>
     <p:extLst>
       <p:ext uri="{BB962C8B-B14F-4D97-AF65-F5344CB8AC3E}">
@@ -5842,7 +6006,13 @@
           <a:bodyPr/>
           <a:lstStyle/>
           <a:p>
-            <a:endParaRPr lang="fr-FR"/>
+            <a:pPr marL="0" indent="0">
+              <a:buNone/>
+            </a:pPr>
+            <a:r>
+              <a:rPr lang="fr-FR" dirty="0"/>
+              <a:t>(3 slides max) </a:t>
+            </a:r>
           </a:p>
         </p:txBody>
       </p:sp>
@@ -5888,24 +6058,40 @@
           <a:chExt cx="0" cy="0"/>
         </a:xfrm>
       </p:grpSpPr>
-      <p:sp>
-        <p:nvSpPr>
-          <p:cNvPr id="2" name="Espace réservé pour une image  1">
+      <p:pic>
+        <p:nvPicPr>
+          <p:cNvPr id="22" name="Espace réservé pour une image  21">
             <a:extLst>
               <a:ext uri="{FF2B5EF4-FFF2-40B4-BE49-F238E27FC236}">
-                <a16:creationId xmlns:a16="http://schemas.microsoft.com/office/drawing/2014/main" id="{0376DD4E-D3E8-42DD-B1EF-E565F3E8BFDB}"/>
+                <a16:creationId xmlns:a16="http://schemas.microsoft.com/office/drawing/2014/main" id="{749BB1B9-B7F5-4C9D-819E-EF5FBBF35E21}"/>
               </a:ext>
             </a:extLst>
           </p:cNvPr>
-          <p:cNvSpPr>
-            <a:spLocks noGrp="1"/>
-          </p:cNvSpPr>
+          <p:cNvPicPr>
+            <a:picLocks noGrp="1" noChangeAspect="1"/>
+          </p:cNvPicPr>
           <p:nvPr>
             <p:ph type="pic" idx="1"/>
           </p:nvPr>
-        </p:nvSpPr>
-        <p:spPr/>
-      </p:sp>
+        </p:nvPicPr>
+        <p:blipFill rotWithShape="1">
+          <a:blip r:embed="rId2">
+            <a:extLst>
+              <a:ext uri="{28A0092B-C50C-407E-A947-70E740481C1C}">
+                <a14:useLocalDpi xmlns:a14="http://schemas.microsoft.com/office/drawing/2010/main" val="0"/>
+              </a:ext>
+            </a:extLst>
+          </a:blip>
+          <a:srcRect l="16495" r="19940"/>
+          <a:stretch/>
+        </p:blipFill>
+        <p:spPr>
+          <a:xfrm>
+            <a:off x="5662364" y="317939"/>
+            <a:ext cx="4896543" cy="6253653"/>
+          </a:xfrm>
+        </p:spPr>
+      </p:pic>
       <p:sp>
         <p:nvSpPr>
           <p:cNvPr id="3" name="Titre 2">
@@ -7849,6 +8035,15 @@
 </file>
 
 <file path=customXml/item2.xml><?xml version="1.0" encoding="utf-8"?>
+<?mso-contentType ?>
+<FormTemplates xmlns="http://schemas.microsoft.com/sharepoint/v3/contenttype/forms">
+  <Display>DocumentLibraryForm</Display>
+  <Edit>AssetEditForm</Edit>
+  <New>DocumentLibraryForm</New>
+</FormTemplates>
+</file>
+
+<file path=customXml/item3.xml><?xml version="1.0" encoding="utf-8"?>
 <p:properties xmlns:p="http://schemas.microsoft.com/office/2006/metadata/properties" xmlns:xsi="http://www.w3.org/2001/XMLSchema-instance" xmlns:pc="http://schemas.microsoft.com/office/infopath/2007/PartnerControls">
   <documentManagement>
     <DirectSourceMarket xmlns="4873beb7-5857-4685-be1f-d57550cc96cc" xsi:nil="true"/>
@@ -7975,15 +8170,6 @@
 </p:properties>
 </file>
 
-<file path=customXml/item3.xml><?xml version="1.0" encoding="utf-8"?>
-<?mso-contentType ?>
-<FormTemplates xmlns="http://schemas.microsoft.com/sharepoint/v3/contenttype/forms">
-  <Display>DocumentLibraryForm</Display>
-  <Edit>AssetEditForm</Edit>
-  <New>DocumentLibraryForm</New>
-</FormTemplates>
-</file>
-
 <file path=customXml/itemProps1.xml><?xml version="1.0" encoding="utf-8"?>
 <ds:datastoreItem xmlns:ds="http://schemas.openxmlformats.org/officeDocument/2006/customXml" ds:itemID="{22CCB507-0646-4A50-A4F7-7F385079D589}">
   <ds:schemaRefs>
@@ -8003,6 +8189,14 @@
 </file>
 
 <file path=customXml/itemProps2.xml><?xml version="1.0" encoding="utf-8"?>
+<ds:datastoreItem xmlns:ds="http://schemas.openxmlformats.org/officeDocument/2006/customXml" ds:itemID="{74228E6B-D70C-44BB-A81F-A245495F612B}">
+  <ds:schemaRefs>
+    <ds:schemaRef ds:uri="http://schemas.microsoft.com/sharepoint/v3/contenttype/forms"/>
+  </ds:schemaRefs>
+</ds:datastoreItem>
+</file>
+
+<file path=customXml/itemProps3.xml><?xml version="1.0" encoding="utf-8"?>
 <ds:datastoreItem xmlns:ds="http://schemas.openxmlformats.org/officeDocument/2006/customXml" ds:itemID="{00E41224-0370-4595-877C-23316CD80004}">
   <ds:schemaRefs>
     <ds:schemaRef ds:uri="http://schemas.microsoft.com/office/2006/metadata/properties"/>
@@ -8010,12 +8204,4 @@
     <ds:schemaRef ds:uri="4873beb7-5857-4685-be1f-d57550cc96cc"/>
   </ds:schemaRefs>
 </ds:datastoreItem>
-</file>
-
-<file path=customXml/itemProps3.xml><?xml version="1.0" encoding="utf-8"?>
-<ds:datastoreItem xmlns:ds="http://schemas.openxmlformats.org/officeDocument/2006/customXml" ds:itemID="{74228E6B-D70C-44BB-A81F-A245495F612B}">
-  <ds:schemaRefs>
-    <ds:schemaRef ds:uri="http://schemas.microsoft.com/sharepoint/v3/contenttype/forms"/>
-  </ds:schemaRefs>
-</ds:datastoreItem>
 </file>
--- a/Projet Web dynamique.pptx
+++ b/Projet Web dynamique.pptx
@@ -230,7 +230,7 @@
             <a:pPr algn="r" rtl="0"/>
             <a:fld id="{4FD0811F-65A0-45DC-A418-D7D88257DA14}" type="datetime1">
               <a:rPr lang="fr-FR" smtClean="0"/>
-              <a:t>05/05/2019</a:t>
+              <a:t>06/05/2019</a:t>
             </a:fld>
             <a:endParaRPr lang="fr-FR" dirty="0"/>
           </a:p>
@@ -400,7 +400,7 @@
             <a:fld id="{869BCCB5-3197-42F0-A23E-FBF35BB6BD6D}" type="datetime1">
               <a:rPr lang="fr-FR" smtClean="0"/>
               <a:pPr/>
-              <a:t>05/05/2019</a:t>
+              <a:t>06/05/2019</a:t>
             </a:fld>
             <a:endParaRPr lang="fr-FR" dirty="0"/>
           </a:p>
@@ -1006,7 +1006,7 @@
             <a:fld id="{C169FE22-A35D-4AA5-9ED0-CA5AA0D08EE7}" type="datetime1">
               <a:rPr lang="fr-FR" smtClean="0"/>
               <a:pPr/>
-              <a:t>05/05/2019</a:t>
+              <a:t>06/05/2019</a:t>
             </a:fld>
             <a:endParaRPr lang="fr-FR" dirty="0"/>
           </a:p>
@@ -1206,7 +1206,7 @@
             <a:fld id="{4B2D50EC-F18A-4356-A82F-ED015F56C2C6}" type="datetime1">
               <a:rPr lang="fr-FR" smtClean="0"/>
               <a:pPr/>
-              <a:t>05/05/2019</a:t>
+              <a:t>06/05/2019</a:t>
             </a:fld>
             <a:endParaRPr lang="fr-FR" dirty="0"/>
           </a:p>
@@ -1403,7 +1403,7 @@
             <a:fld id="{D8AB5196-52B1-4918-B153-34A0C9A4A7AD}" type="datetime1">
               <a:rPr lang="fr-FR" smtClean="0"/>
               <a:pPr/>
-              <a:t>05/05/2019</a:t>
+              <a:t>06/05/2019</a:t>
             </a:fld>
             <a:endParaRPr lang="fr-FR" dirty="0"/>
           </a:p>
@@ -1691,7 +1691,7 @@
             <a:fld id="{7399499F-CA45-4A76-BC24-F973E24AC3FB}" type="datetime1">
               <a:rPr lang="fr-FR" smtClean="0"/>
               <a:pPr/>
-              <a:t>05/05/2019</a:t>
+              <a:t>06/05/2019</a:t>
             </a:fld>
             <a:endParaRPr lang="fr-FR" dirty="0"/>
           </a:p>
@@ -2003,7 +2003,7 @@
             <a:fld id="{3817870C-A0A5-4D92-B86D-C2791EFA3A23}" type="datetime1">
               <a:rPr lang="fr-FR" smtClean="0"/>
               <a:pPr/>
-              <a:t>05/05/2019</a:t>
+              <a:t>06/05/2019</a:t>
             </a:fld>
             <a:endParaRPr lang="fr-FR" dirty="0"/>
           </a:p>
@@ -2471,7 +2471,7 @@
             <a:fld id="{812A7B89-83CE-4355-8D19-9AD5D8179E27}" type="datetime1">
               <a:rPr lang="fr-FR" smtClean="0"/>
               <a:pPr/>
-              <a:t>05/05/2019</a:t>
+              <a:t>06/05/2019</a:t>
             </a:fld>
             <a:endParaRPr lang="fr-FR" dirty="0"/>
           </a:p>
@@ -2613,7 +2613,7 @@
             <a:fld id="{EA4593A4-CD22-4D89-9631-B432485C88BE}" type="datetime1">
               <a:rPr lang="fr-FR" smtClean="0"/>
               <a:pPr/>
-              <a:t>05/05/2019</a:t>
+              <a:t>06/05/2019</a:t>
             </a:fld>
             <a:endParaRPr lang="fr-FR" dirty="0"/>
           </a:p>
@@ -2735,7 +2735,7 @@
             <a:fld id="{88F3045D-8AE6-4E47-932F-47FA387FEA34}" type="datetime1">
               <a:rPr lang="fr-FR" smtClean="0"/>
               <a:pPr/>
-              <a:t>05/05/2019</a:t>
+              <a:t>06/05/2019</a:t>
             </a:fld>
             <a:endParaRPr lang="fr-FR" dirty="0"/>
           </a:p>
@@ -3065,7 +3065,7 @@
             <a:fld id="{2282C9DA-93FE-4DDE-8920-2C8AB1F5E18A}" type="datetime1">
               <a:rPr lang="fr-FR" smtClean="0"/>
               <a:pPr/>
-              <a:t>05/05/2019</a:t>
+              <a:t>06/05/2019</a:t>
             </a:fld>
             <a:endParaRPr lang="fr-FR" dirty="0"/>
           </a:p>
@@ -3385,7 +3385,7 @@
             <a:fld id="{EB002A6A-F78C-474F-BA6B-17AE42EC613D}" type="datetime1">
               <a:rPr lang="fr-FR" smtClean="0"/>
               <a:pPr/>
-              <a:t>05/05/2019</a:t>
+              <a:t>06/05/2019</a:t>
             </a:fld>
             <a:endParaRPr lang="fr-FR" dirty="0"/>
           </a:p>
@@ -3622,7 +3622,7 @@
             <a:fld id="{B1406553-4B01-4903-B663-70E503E45D52}" type="datetime1">
               <a:rPr lang="fr-FR" smtClean="0"/>
               <a:pPr/>
-              <a:t>05/05/2019</a:t>
+              <a:t>06/05/2019</a:t>
             </a:fld>
             <a:endParaRPr lang="fr-FR" dirty="0"/>
           </a:p>
@@ -4148,18 +4148,14 @@
             </a:r>
             <a:r>
               <a:rPr lang="fr-FR" cap="none" dirty="0"/>
-              <a:t>Clément</a:t>
+              <a:t>Clément (TD7)</a:t>
             </a:r>
           </a:p>
           <a:p>
             <a:pPr rtl="0"/>
             <a:r>
               <a:rPr lang="fr-FR" sz="2400" dirty="0"/>
-              <a:t>Poissonnier-</a:t>
-            </a:r>
-            <a:r>
-              <a:rPr lang="fr-FR" sz="2400" dirty="0" err="1"/>
-              <a:t>launay</a:t>
+              <a:t>POISSONNIER-LAUNAY</a:t>
             </a:r>
             <a:r>
               <a:rPr lang="fr-FR" dirty="0"/>
@@ -4167,7 +4163,7 @@
             </a:r>
             <a:r>
               <a:rPr lang="fr-FR" cap="none" dirty="0"/>
-              <a:t>Terence</a:t>
+              <a:t>Terence (TD5)</a:t>
             </a:r>
           </a:p>
           <a:p>
@@ -4182,7 +4178,7 @@
             </a:r>
             <a:r>
               <a:rPr lang="fr-FR" cap="none" dirty="0"/>
-              <a:t>Philippe</a:t>
+              <a:t>Philippe (TD5)</a:t>
             </a:r>
           </a:p>
         </p:txBody>
@@ -4247,14 +4243,15 @@
         </p:nvSpPr>
         <p:spPr>
           <a:xfrm>
-            <a:off x="1522413" y="381000"/>
-            <a:ext cx="9144001" cy="1103784"/>
+            <a:off x="1522413" y="342900"/>
+            <a:ext cx="9144001" cy="925860"/>
           </a:xfrm>
         </p:spPr>
         <p:txBody>
           <a:bodyPr/>
           <a:lstStyle/>
           <a:p>
+            <a:pPr algn="ctr"/>
             <a:r>
               <a:rPr lang="fr-FR" dirty="0"/>
               <a:t>Bilans individuels</a:t>
@@ -4280,12 +4277,14 @@
         </p:nvSpPr>
         <p:spPr>
           <a:xfrm>
-            <a:off x="549796" y="1904999"/>
+            <a:off x="549796" y="1943099"/>
             <a:ext cx="11089231" cy="4692353"/>
           </a:xfrm>
         </p:spPr>
         <p:txBody>
-          <a:bodyPr numCol="3" spcCol="360000"/>
+          <a:bodyPr numCol="3" spcCol="360000">
+            <a:normAutofit lnSpcReduction="10000"/>
+          </a:bodyPr>
           <a:lstStyle/>
           <a:p>
             <a:pPr marL="0" indent="0">
@@ -4301,7 +4300,27 @@
             </a:r>
           </a:p>
           <a:p>
-            <a:pPr algn="just"/>
+            <a:r>
+              <a:rPr lang="fr-FR" dirty="0"/>
+              <a:t>Ajout des Images</a:t>
+            </a:r>
+          </a:p>
+          <a:p>
+            <a:r>
+              <a:rPr lang="fr-FR" dirty="0"/>
+              <a:t>Ajout d’items au panier</a:t>
+            </a:r>
+          </a:p>
+          <a:p>
+            <a:pPr marL="0" indent="0">
+              <a:buNone/>
+            </a:pPr>
+            <a:endParaRPr lang="fr-FR" cap="all" dirty="0"/>
+          </a:p>
+          <a:p>
+            <a:pPr marL="0" indent="0">
+              <a:buNone/>
+            </a:pPr>
             <a:endParaRPr lang="fr-FR" cap="all" dirty="0"/>
           </a:p>
           <a:p>
@@ -4326,24 +4345,6 @@
             <a:pPr marL="0" indent="0" algn="just">
               <a:buNone/>
             </a:pPr>
-            <a:endParaRPr lang="fr-FR" cap="all" dirty="0"/>
-          </a:p>
-          <a:p>
-            <a:pPr marL="0" indent="0" algn="just">
-              <a:buNone/>
-            </a:pPr>
-            <a:endParaRPr lang="fr-FR" cap="all" dirty="0"/>
-          </a:p>
-          <a:p>
-            <a:pPr marL="0" indent="0" algn="just">
-              <a:buNone/>
-            </a:pPr>
-            <a:endParaRPr lang="fr-FR" cap="all" dirty="0"/>
-          </a:p>
-          <a:p>
-            <a:pPr marL="0" indent="0" algn="just">
-              <a:buNone/>
-            </a:pPr>
             <a:r>
               <a:rPr lang="fr-FR" cap="all" dirty="0"/>
               <a:t>POISSONNIER-LAUNAY T</a:t>
@@ -4354,29 +4355,25 @@
             </a:r>
           </a:p>
           <a:p>
-            <a:pPr algn="just"/>
-            <a:endParaRPr lang="fr-FR" cap="all" dirty="0"/>
-          </a:p>
-          <a:p>
-            <a:pPr marL="0" indent="0" algn="just">
-              <a:buNone/>
-            </a:pPr>
-            <a:endParaRPr lang="fr-FR" cap="all" dirty="0"/>
-          </a:p>
-          <a:p>
-            <a:pPr marL="0" indent="0" algn="just">
-              <a:buNone/>
-            </a:pPr>
-            <a:endParaRPr lang="fr-FR" cap="all" dirty="0"/>
-          </a:p>
-          <a:p>
-            <a:pPr marL="0" indent="0" algn="just">
-              <a:buNone/>
-            </a:pPr>
-            <a:endParaRPr lang="fr-FR" cap="all" dirty="0"/>
-          </a:p>
-          <a:p>
-            <a:pPr marL="0" indent="0" algn="just">
+            <a:r>
+              <a:rPr lang="fr-FR" dirty="0"/>
+              <a:t>Création BDD</a:t>
+            </a:r>
+          </a:p>
+          <a:p>
+            <a:r>
+              <a:rPr lang="fr-FR" dirty="0"/>
+              <a:t>Création des comptes Connexion et sessions</a:t>
+            </a:r>
+          </a:p>
+          <a:p>
+            <a:r>
+              <a:rPr lang="fr-FR" dirty="0"/>
+              <a:t>Achat, Mise en vente, Ventes Flash.</a:t>
+            </a:r>
+          </a:p>
+          <a:p>
+            <a:pPr marL="0" indent="0">
               <a:buNone/>
             </a:pPr>
             <a:endParaRPr lang="fr-FR" cap="all" dirty="0"/>
@@ -4526,6 +4523,36 @@
           <a:bodyPr/>
           <a:lstStyle/>
           <a:p>
+            <a:r>
+              <a:rPr lang="fr-FR" dirty="0"/>
+              <a:t>Création de comptes acheteur et vendeurs</a:t>
+            </a:r>
+          </a:p>
+          <a:p>
+            <a:r>
+              <a:rPr lang="fr-FR" dirty="0"/>
+              <a:t>Connexion acheteur et vendeurs</a:t>
+            </a:r>
+          </a:p>
+          <a:p>
+            <a:r>
+              <a:rPr lang="fr-FR" dirty="0"/>
+              <a:t>Mise en vente de produit dans 4 catégories différentes</a:t>
+            </a:r>
+          </a:p>
+          <a:p>
+            <a:r>
+              <a:rPr lang="fr-FR" dirty="0"/>
+              <a:t>Ventes flash mettant en avant les items les plus vendus</a:t>
+            </a:r>
+          </a:p>
+          <a:p>
+            <a:r>
+              <a:rPr lang="fr-FR" dirty="0"/>
+              <a:t>Achat de ces produits via un panier</a:t>
+            </a:r>
+          </a:p>
+          <a:p>
             <a:endParaRPr lang="fr-FR" dirty="0"/>
           </a:p>
         </p:txBody>
@@ -4711,8 +4738,8 @@
         </p:nvSpPr>
         <p:spPr>
           <a:xfrm>
-            <a:off x="7318548" y="1412775"/>
-            <a:ext cx="4870277" cy="4607025"/>
+            <a:off x="7248526" y="1352551"/>
+            <a:ext cx="4940300" cy="4667250"/>
           </a:xfrm>
           <a:prstGeom prst="rect">
             <a:avLst/>
@@ -4942,6 +4969,15 @@
             </a:r>
             <a:endParaRPr lang="fr-FR" dirty="0"/>
           </a:p>
+          <a:p>
+            <a:r>
+              <a:rPr lang="fr-FR" dirty="0"/>
+              <a:t>stackoverflow.com</a:t>
+            </a:r>
+          </a:p>
+          <a:p>
+            <a:endParaRPr lang="fr-FR" dirty="0"/>
+          </a:p>
         </p:txBody>
       </p:sp>
     </p:spTree>
@@ -5026,48 +5062,68 @@
           <a:p>
             <a:pPr rtl="0"/>
             <a:r>
-              <a:rPr lang="fr-FR" dirty="0"/>
+              <a:rPr lang="fr-FR" dirty="0">
+                <a:hlinkClick r:id="rId2" action="ppaction://hlinksldjump"/>
+              </a:rPr>
               <a:t>Conception du back end</a:t>
             </a:r>
+            <a:endParaRPr lang="fr-FR" dirty="0"/>
           </a:p>
           <a:p>
             <a:pPr rtl="0"/>
             <a:r>
-              <a:rPr lang="fr-FR" dirty="0"/>
+              <a:rPr lang="fr-FR" dirty="0">
+                <a:hlinkClick r:id="rId3" action="ppaction://hlinksldjump"/>
+              </a:rPr>
               <a:t>Design du front end</a:t>
             </a:r>
+            <a:endParaRPr lang="fr-FR" dirty="0"/>
           </a:p>
           <a:p>
             <a:pPr rtl="0"/>
             <a:r>
-              <a:rPr lang="fr-FR" dirty="0"/>
+              <a:rPr lang="fr-FR" dirty="0">
+                <a:hlinkClick r:id="rId4" action="ppaction://hlinksldjump"/>
+              </a:rPr>
               <a:t>Spécifications fonctionnelles</a:t>
             </a:r>
+            <a:endParaRPr lang="fr-FR" dirty="0"/>
           </a:p>
           <a:p>
             <a:pPr rtl="0"/>
             <a:r>
-              <a:rPr lang="fr-FR" dirty="0" err="1"/>
+              <a:rPr lang="fr-FR" dirty="0" err="1">
+                <a:hlinkClick r:id="rId5" action="ppaction://hlinksldjump"/>
+              </a:rPr>
               <a:t>Versionning</a:t>
             </a:r>
             <a:r>
-              <a:rPr lang="fr-FR" dirty="0"/>
+              <a:rPr lang="fr-FR" dirty="0">
+                <a:hlinkClick r:id="rId5" action="ppaction://hlinksldjump"/>
+              </a:rPr>
               <a:t> GIT</a:t>
             </a:r>
+            <a:endParaRPr lang="fr-FR" dirty="0"/>
           </a:p>
           <a:p>
             <a:pPr rtl="0"/>
             <a:r>
-              <a:rPr lang="fr-FR" dirty="0"/>
+              <a:rPr lang="fr-FR" dirty="0">
+                <a:hlinkClick r:id="rId6" action="ppaction://hlinksldjump"/>
+              </a:rPr>
               <a:t>Bilans</a:t>
             </a:r>
+            <a:endParaRPr lang="fr-FR" dirty="0"/>
           </a:p>
           <a:p>
             <a:pPr rtl="0"/>
             <a:r>
-              <a:rPr lang="fr-FR" dirty="0"/>
+              <a:rPr lang="fr-FR" dirty="0">
+                <a:hlinkClick r:id="rId7" action="ppaction://hlinksldjump"/>
+              </a:rPr>
               <a:t>Bibliographie</a:t>
             </a:r>
+            <a:endParaRPr lang="fr-FR" dirty="0"/>
           </a:p>
         </p:txBody>
       </p:sp>
@@ -6148,11 +6204,13 @@
         <p:spPr>
           <a:xfrm>
             <a:off x="1065213" y="4509120"/>
-            <a:ext cx="3581399" cy="1510680"/>
+            <a:ext cx="3805063" cy="1510680"/>
           </a:xfrm>
         </p:spPr>
         <p:txBody>
-          <a:bodyPr/>
+          <a:bodyPr>
+            <a:normAutofit/>
+          </a:bodyPr>
           <a:lstStyle/>
           <a:p>
             <a:pPr marL="285750" indent="-285750">
@@ -6161,7 +6219,7 @@
             </a:pPr>
             <a:r>
               <a:rPr lang="fr-FR" dirty="0"/>
-              <a:t>Lien :</a:t>
+              <a:t>Lien : https://github.com/Kzenn/ECEbay</a:t>
             </a:r>
           </a:p>
           <a:p>
@@ -6995,6 +7053,15 @@
 </file>
 
 <file path=customXml/item1.xml><?xml version="1.0" encoding="utf-8"?>
+<?mso-contentType ?>
+<FormTemplates xmlns="http://schemas.microsoft.com/sharepoint/v3/contenttype/forms">
+  <Display>DocumentLibraryForm</Display>
+  <Edit>AssetEditForm</Edit>
+  <New>DocumentLibraryForm</New>
+</FormTemplates>
+</file>
+
+<file path=customXml/item2.xml><?xml version="1.0" encoding="utf-8"?>
 <ct:contentTypeSchema xmlns:ct="http://schemas.microsoft.com/office/2006/metadata/contentType" xmlns:ma="http://schemas.microsoft.com/office/2006/metadata/properties/metaAttributes" ct:_="" ma:_="" ma:contentTypeName="TemplateFile" ma:contentTypeID="0x0101006EDDDB5EE6D98C44930B742096920B300400F5B6D36B3EF94B4E9A635CDF2A18F5B8" ma:contentTypeVersion="72" ma:contentTypeDescription="Create a new document." ma:contentTypeScope="" ma:versionID="a23e56308344d904b51738559c3d67c9">
   <xsd:schema xmlns:xsd="http://www.w3.org/2001/XMLSchema" xmlns:xs="http://www.w3.org/2001/XMLSchema" xmlns:p="http://schemas.microsoft.com/office/2006/metadata/properties" xmlns:ns2="4873beb7-5857-4685-be1f-d57550cc96cc" targetNamespace="http://schemas.microsoft.com/office/2006/metadata/properties" ma:root="true" ma:fieldsID="cd0908cc4600e77bf5da051303e00c8d" ns2:_="">
     <xsd:import namespace="4873beb7-5857-4685-be1f-d57550cc96cc"/>
@@ -8034,15 +8101,6 @@
 </ct:contentTypeSchema>
 </file>
 
-<file path=customXml/item2.xml><?xml version="1.0" encoding="utf-8"?>
-<?mso-contentType ?>
-<FormTemplates xmlns="http://schemas.microsoft.com/sharepoint/v3/contenttype/forms">
-  <Display>DocumentLibraryForm</Display>
-  <Edit>AssetEditForm</Edit>
-  <New>DocumentLibraryForm</New>
-</FormTemplates>
-</file>
-
 <file path=customXml/item3.xml><?xml version="1.0" encoding="utf-8"?>
 <p:properties xmlns:p="http://schemas.microsoft.com/office/2006/metadata/properties" xmlns:xsi="http://www.w3.org/2001/XMLSchema-instance" xmlns:pc="http://schemas.microsoft.com/office/infopath/2007/PartnerControls">
   <documentManagement>
@@ -8171,6 +8229,14 @@
 </file>
 
 <file path=customXml/itemProps1.xml><?xml version="1.0" encoding="utf-8"?>
+<ds:datastoreItem xmlns:ds="http://schemas.openxmlformats.org/officeDocument/2006/customXml" ds:itemID="{74228E6B-D70C-44BB-A81F-A245495F612B}">
+  <ds:schemaRefs>
+    <ds:schemaRef ds:uri="http://schemas.microsoft.com/sharepoint/v3/contenttype/forms"/>
+  </ds:schemaRefs>
+</ds:datastoreItem>
+</file>
+
+<file path=customXml/itemProps2.xml><?xml version="1.0" encoding="utf-8"?>
 <ds:datastoreItem xmlns:ds="http://schemas.openxmlformats.org/officeDocument/2006/customXml" ds:itemID="{22CCB507-0646-4A50-A4F7-7F385079D589}">
   <ds:schemaRefs>
     <ds:schemaRef ds:uri="http://schemas.microsoft.com/office/2006/metadata/contentType"/>
@@ -8188,20 +8254,18 @@
 </ds:datastoreItem>
 </file>
 
-<file path=customXml/itemProps2.xml><?xml version="1.0" encoding="utf-8"?>
-<ds:datastoreItem xmlns:ds="http://schemas.openxmlformats.org/officeDocument/2006/customXml" ds:itemID="{74228E6B-D70C-44BB-A81F-A245495F612B}">
-  <ds:schemaRefs>
-    <ds:schemaRef ds:uri="http://schemas.microsoft.com/sharepoint/v3/contenttype/forms"/>
-  </ds:schemaRefs>
-</ds:datastoreItem>
-</file>
-
 <file path=customXml/itemProps3.xml><?xml version="1.0" encoding="utf-8"?>
 <ds:datastoreItem xmlns:ds="http://schemas.openxmlformats.org/officeDocument/2006/customXml" ds:itemID="{00E41224-0370-4595-877C-23316CD80004}">
   <ds:schemaRefs>
+    <ds:schemaRef ds:uri="http://purl.org/dc/elements/1.1/"/>
     <ds:schemaRef ds:uri="http://schemas.microsoft.com/office/2006/metadata/properties"/>
+    <ds:schemaRef ds:uri="http://schemas.openxmlformats.org/package/2006/metadata/core-properties"/>
     <ds:schemaRef ds:uri="http://schemas.microsoft.com/office/infopath/2007/PartnerControls"/>
+    <ds:schemaRef ds:uri="http://purl.org/dc/terms/"/>
+    <ds:schemaRef ds:uri="http://schemas.microsoft.com/office/2006/documentManagement/types"/>
     <ds:schemaRef ds:uri="4873beb7-5857-4685-be1f-d57550cc96cc"/>
+    <ds:schemaRef ds:uri="http://www.w3.org/XML/1998/namespace"/>
+    <ds:schemaRef ds:uri="http://purl.org/dc/dcmitype/"/>
   </ds:schemaRefs>
 </ds:datastoreItem>
 </file>
--- a/Projet Web dynamique.pptx
+++ b/Projet Web dynamique.pptx
@@ -4132,15 +4132,7 @@
             <a:pPr rtl="0"/>
             <a:r>
               <a:rPr lang="fr-FR" sz="2400" dirty="0"/>
-              <a:t>François</a:t>
-            </a:r>
-            <a:r>
-              <a:rPr lang="fr-FR" dirty="0"/>
-              <a:t> </a:t>
-            </a:r>
-            <a:r>
-              <a:rPr lang="fr-FR" sz="2400" dirty="0"/>
-              <a:t>Bachelier</a:t>
+              <a:t>François--Bachelier</a:t>
             </a:r>
             <a:r>
               <a:rPr lang="fr-FR" dirty="0"/>
@@ -4283,7 +4275,7 @@
         </p:spPr>
         <p:txBody>
           <a:bodyPr numCol="3" spcCol="360000">
-            <a:normAutofit lnSpcReduction="10000"/>
+            <a:normAutofit fontScale="92500" lnSpcReduction="10000"/>
           </a:bodyPr>
           <a:lstStyle/>
           <a:p>
@@ -4309,6 +4301,18 @@
             <a:r>
               <a:rPr lang="fr-FR" dirty="0"/>
               <a:t>Ajout d’items au panier</a:t>
+            </a:r>
+          </a:p>
+          <a:p>
+            <a:r>
+              <a:rPr lang="fr-FR" dirty="0"/>
+              <a:t>Création des maquettes</a:t>
+            </a:r>
+          </a:p>
+          <a:p>
+            <a:r>
+              <a:rPr lang="fr-FR" dirty="0"/>
+              <a:t>Gestion des comptes</a:t>
             </a:r>
           </a:p>
           <a:p>
@@ -7053,12 +7057,130 @@
 </file>
 
 <file path=customXml/item1.xml><?xml version="1.0" encoding="utf-8"?>
-<?mso-contentType ?>
-<FormTemplates xmlns="http://schemas.microsoft.com/sharepoint/v3/contenttype/forms">
-  <Display>DocumentLibraryForm</Display>
-  <Edit>AssetEditForm</Edit>
-  <New>DocumentLibraryForm</New>
-</FormTemplates>
+<p:properties xmlns:p="http://schemas.microsoft.com/office/2006/metadata/properties" xmlns:xsi="http://www.w3.org/2001/XMLSchema-instance" xmlns:pc="http://schemas.microsoft.com/office/infopath/2007/PartnerControls">
+  <documentManagement>
+    <DirectSourceMarket xmlns="4873beb7-5857-4685-be1f-d57550cc96cc" xsi:nil="true"/>
+    <ApprovalStatus xmlns="4873beb7-5857-4685-be1f-d57550cc96cc">InProgress</ApprovalStatus>
+    <MarketSpecific xmlns="4873beb7-5857-4685-be1f-d57550cc96cc">false</MarketSpecific>
+    <LocComments xmlns="4873beb7-5857-4685-be1f-d57550cc96cc" xsi:nil="true"/>
+    <ThumbnailAssetId xmlns="4873beb7-5857-4685-be1f-d57550cc96cc" xsi:nil="true"/>
+    <PrimaryImageGen xmlns="4873beb7-5857-4685-be1f-d57550cc96cc">true</PrimaryImageGen>
+    <LegacyData xmlns="4873beb7-5857-4685-be1f-d57550cc96cc" xsi:nil="true"/>
+    <LocRecommendedHandoff xmlns="4873beb7-5857-4685-be1f-d57550cc96cc" xsi:nil="true"/>
+    <BusinessGroup xmlns="4873beb7-5857-4685-be1f-d57550cc96cc" xsi:nil="true"/>
+    <BlockPublish xmlns="4873beb7-5857-4685-be1f-d57550cc96cc">false</BlockPublish>
+    <TPFriendlyName xmlns="4873beb7-5857-4685-be1f-d57550cc96cc" xsi:nil="true"/>
+    <NumericId xmlns="4873beb7-5857-4685-be1f-d57550cc96cc" xsi:nil="true"/>
+    <APEditor xmlns="4873beb7-5857-4685-be1f-d57550cc96cc">
+      <UserInfo>
+        <DisplayName/>
+        <AccountId xsi:nil="true"/>
+        <AccountType/>
+      </UserInfo>
+    </APEditor>
+    <SourceTitle xmlns="4873beb7-5857-4685-be1f-d57550cc96cc" xsi:nil="true"/>
+    <OpenTemplate xmlns="4873beb7-5857-4685-be1f-d57550cc96cc">true</OpenTemplate>
+    <UALocComments xmlns="4873beb7-5857-4685-be1f-d57550cc96cc" xsi:nil="true"/>
+    <ParentAssetId xmlns="4873beb7-5857-4685-be1f-d57550cc96cc" xsi:nil="true"/>
+    <IntlLangReviewDate xmlns="4873beb7-5857-4685-be1f-d57550cc96cc" xsi:nil="true"/>
+    <FeatureTagsTaxHTField0 xmlns="4873beb7-5857-4685-be1f-d57550cc96cc">
+      <Terms xmlns="http://schemas.microsoft.com/office/infopath/2007/PartnerControls"/>
+    </FeatureTagsTaxHTField0>
+    <PublishStatusLookup xmlns="4873beb7-5857-4685-be1f-d57550cc96cc">
+      <Value>1564227</Value>
+    </PublishStatusLookup>
+    <Providers xmlns="4873beb7-5857-4685-be1f-d57550cc96cc" xsi:nil="true"/>
+    <MachineTranslated xmlns="4873beb7-5857-4685-be1f-d57550cc96cc">false</MachineTranslated>
+    <OriginalSourceMarket xmlns="4873beb7-5857-4685-be1f-d57550cc96cc" xsi:nil="true"/>
+    <APDescription xmlns="4873beb7-5857-4685-be1f-d57550cc96cc">Take your audience through a digital tunnel where they'll  burst through to the other side and see the information you want to present. Show them lists, charts, tables, SmartArt,  and pictures using a variety of layouts in widescreen (16X9) format. This design works well for subjects on science and technology, computers, communication, and more.   
+</APDescription>
+    <ClipArtFilename xmlns="4873beb7-5857-4685-be1f-d57550cc96cc" xsi:nil="true"/>
+    <ContentItem xmlns="4873beb7-5857-4685-be1f-d57550cc96cc" xsi:nil="true"/>
+    <TPInstallLocation xmlns="4873beb7-5857-4685-be1f-d57550cc96cc" xsi:nil="true"/>
+    <PublishTargets xmlns="4873beb7-5857-4685-be1f-d57550cc96cc">OfficeOnlineVNext</PublishTargets>
+    <TimesCloned xmlns="4873beb7-5857-4685-be1f-d57550cc96cc" xsi:nil="true"/>
+    <AssetStart xmlns="4873beb7-5857-4685-be1f-d57550cc96cc">2012-05-11T02:04:00+00:00</AssetStart>
+    <Provider xmlns="4873beb7-5857-4685-be1f-d57550cc96cc" xsi:nil="true"/>
+    <AcquiredFrom xmlns="4873beb7-5857-4685-be1f-d57550cc96cc">Internal MS</AcquiredFrom>
+    <FriendlyTitle xmlns="4873beb7-5857-4685-be1f-d57550cc96cc" xsi:nil="true"/>
+    <LastHandOff xmlns="4873beb7-5857-4685-be1f-d57550cc96cc" xsi:nil="true"/>
+    <TPClientViewer xmlns="4873beb7-5857-4685-be1f-d57550cc96cc" xsi:nil="true"/>
+    <UACurrentWords xmlns="4873beb7-5857-4685-be1f-d57550cc96cc" xsi:nil="true"/>
+    <ArtSampleDocs xmlns="4873beb7-5857-4685-be1f-d57550cc96cc" xsi:nil="true"/>
+    <UALocRecommendation xmlns="4873beb7-5857-4685-be1f-d57550cc96cc">Localize</UALocRecommendation>
+    <Manager xmlns="4873beb7-5857-4685-be1f-d57550cc96cc" xsi:nil="true"/>
+    <ShowIn xmlns="4873beb7-5857-4685-be1f-d57550cc96cc">Show everywhere</ShowIn>
+    <UANotes xmlns="4873beb7-5857-4685-be1f-d57550cc96cc" xsi:nil="true"/>
+    <TemplateStatus xmlns="4873beb7-5857-4685-be1f-d57550cc96cc">Complete</TemplateStatus>
+    <InternalTagsTaxHTField0 xmlns="4873beb7-5857-4685-be1f-d57550cc96cc">
+      <Terms xmlns="http://schemas.microsoft.com/office/infopath/2007/PartnerControls"/>
+    </InternalTagsTaxHTField0>
+    <CSXHash xmlns="4873beb7-5857-4685-be1f-d57550cc96cc" xsi:nil="true"/>
+    <Downloads xmlns="4873beb7-5857-4685-be1f-d57550cc96cc">0</Downloads>
+    <VoteCount xmlns="4873beb7-5857-4685-be1f-d57550cc96cc" xsi:nil="true"/>
+    <OOCacheId xmlns="4873beb7-5857-4685-be1f-d57550cc96cc" xsi:nil="true"/>
+    <IsDeleted xmlns="4873beb7-5857-4685-be1f-d57550cc96cc">false</IsDeleted>
+    <AssetExpire xmlns="4873beb7-5857-4685-be1f-d57550cc96cc">2029-01-01T08:00:00+00:00</AssetExpire>
+    <DSATActionTaken xmlns="4873beb7-5857-4685-be1f-d57550cc96cc" xsi:nil="true"/>
+    <CSXSubmissionMarket xmlns="4873beb7-5857-4685-be1f-d57550cc96cc" xsi:nil="true"/>
+    <TPExecutable xmlns="4873beb7-5857-4685-be1f-d57550cc96cc" xsi:nil="true"/>
+    <SubmitterId xmlns="4873beb7-5857-4685-be1f-d57550cc96cc" xsi:nil="true"/>
+    <EditorialTags xmlns="4873beb7-5857-4685-be1f-d57550cc96cc" xsi:nil="true"/>
+    <ApprovalLog xmlns="4873beb7-5857-4685-be1f-d57550cc96cc" xsi:nil="true"/>
+    <AssetType xmlns="4873beb7-5857-4685-be1f-d57550cc96cc">TP</AssetType>
+    <BugNumber xmlns="4873beb7-5857-4685-be1f-d57550cc96cc" xsi:nil="true"/>
+    <CSXSubmissionDate xmlns="4873beb7-5857-4685-be1f-d57550cc96cc" xsi:nil="true"/>
+    <CSXUpdate xmlns="4873beb7-5857-4685-be1f-d57550cc96cc">false</CSXUpdate>
+    <Milestone xmlns="4873beb7-5857-4685-be1f-d57550cc96cc" xsi:nil="true"/>
+    <RecommendationsModifier xmlns="4873beb7-5857-4685-be1f-d57550cc96cc" xsi:nil="true"/>
+    <OriginAsset xmlns="4873beb7-5857-4685-be1f-d57550cc96cc" xsi:nil="true"/>
+    <TPComponent xmlns="4873beb7-5857-4685-be1f-d57550cc96cc" xsi:nil="true"/>
+    <AssetId xmlns="4873beb7-5857-4685-be1f-d57550cc96cc">TP102895246</AssetId>
+    <IntlLocPriority xmlns="4873beb7-5857-4685-be1f-d57550cc96cc" xsi:nil="true"/>
+    <PolicheckWords xmlns="4873beb7-5857-4685-be1f-d57550cc96cc" xsi:nil="true"/>
+    <TPLaunchHelpLink xmlns="4873beb7-5857-4685-be1f-d57550cc96cc" xsi:nil="true"/>
+    <TPApplication xmlns="4873beb7-5857-4685-be1f-d57550cc96cc" xsi:nil="true"/>
+    <CrawlForDependencies xmlns="4873beb7-5857-4685-be1f-d57550cc96cc">false</CrawlForDependencies>
+    <HandoffToMSDN xmlns="4873beb7-5857-4685-be1f-d57550cc96cc" xsi:nil="true"/>
+    <PlannedPubDate xmlns="4873beb7-5857-4685-be1f-d57550cc96cc" xsi:nil="true"/>
+    <IntlLangReviewer xmlns="4873beb7-5857-4685-be1f-d57550cc96cc" xsi:nil="true"/>
+    <TrustLevel xmlns="4873beb7-5857-4685-be1f-d57550cc96cc">1 Microsoft Managed Content</TrustLevel>
+    <LocLastLocAttemptVersionLookup xmlns="4873beb7-5857-4685-be1f-d57550cc96cc">835483</LocLastLocAttemptVersionLookup>
+    <IsSearchable xmlns="4873beb7-5857-4685-be1f-d57550cc96cc">true</IsSearchable>
+    <TemplateTemplateType xmlns="4873beb7-5857-4685-be1f-d57550cc96cc">PowerPoint Presentation Template</TemplateTemplateType>
+    <CampaignTagsTaxHTField0 xmlns="4873beb7-5857-4685-be1f-d57550cc96cc">
+      <Terms xmlns="http://schemas.microsoft.com/office/infopath/2007/PartnerControls"/>
+    </CampaignTagsTaxHTField0>
+    <TPNamespace xmlns="4873beb7-5857-4685-be1f-d57550cc96cc" xsi:nil="true"/>
+    <TaxCatchAll xmlns="4873beb7-5857-4685-be1f-d57550cc96cc"/>
+    <Markets xmlns="4873beb7-5857-4685-be1f-d57550cc96cc"/>
+    <UAProjectedTotalWords xmlns="4873beb7-5857-4685-be1f-d57550cc96cc" xsi:nil="true"/>
+    <IntlLangReview xmlns="4873beb7-5857-4685-be1f-d57550cc96cc">false</IntlLangReview>
+    <OutputCachingOn xmlns="4873beb7-5857-4685-be1f-d57550cc96cc">false</OutputCachingOn>
+    <AverageRating xmlns="4873beb7-5857-4685-be1f-d57550cc96cc" xsi:nil="true"/>
+    <APAuthor xmlns="4873beb7-5857-4685-be1f-d57550cc96cc">
+      <UserInfo>
+        <DisplayName>REDMOND\v-vaddu</DisplayName>
+        <AccountId>2567</AccountId>
+        <AccountType/>
+      </UserInfo>
+    </APAuthor>
+    <LocManualTestRequired xmlns="4873beb7-5857-4685-be1f-d57550cc96cc">false</LocManualTestRequired>
+    <TPCommandLine xmlns="4873beb7-5857-4685-be1f-d57550cc96cc" xsi:nil="true"/>
+    <TPAppVersion xmlns="4873beb7-5857-4685-be1f-d57550cc96cc" xsi:nil="true"/>
+    <EditorialStatus xmlns="4873beb7-5857-4685-be1f-d57550cc96cc">Complete</EditorialStatus>
+    <LastModifiedDateTime xmlns="4873beb7-5857-4685-be1f-d57550cc96cc" xsi:nil="true"/>
+    <ScenarioTagsTaxHTField0 xmlns="4873beb7-5857-4685-be1f-d57550cc96cc">
+      <Terms xmlns="http://schemas.microsoft.com/office/infopath/2007/PartnerControls"/>
+    </ScenarioTagsTaxHTField0>
+    <OriginalRelease xmlns="4873beb7-5857-4685-be1f-d57550cc96cc">15</OriginalRelease>
+    <TPLaunchHelpLinkType xmlns="4873beb7-5857-4685-be1f-d57550cc96cc">Template</TPLaunchHelpLinkType>
+    <LocalizationTagsTaxHTField0 xmlns="4873beb7-5857-4685-be1f-d57550cc96cc">
+      <Terms xmlns="http://schemas.microsoft.com/office/infopath/2007/PartnerControls"/>
+    </LocalizationTagsTaxHTField0>
+    <LocMarketGroupTiers2 xmlns="4873beb7-5857-4685-be1f-d57550cc96cc" xsi:nil="true"/>
+  </documentManagement>
+</p:properties>
 </file>
 
 <file path=customXml/item2.xml><?xml version="1.0" encoding="utf-8"?>
@@ -8102,136 +8224,26 @@
 </file>
 
 <file path=customXml/item3.xml><?xml version="1.0" encoding="utf-8"?>
-<p:properties xmlns:p="http://schemas.microsoft.com/office/2006/metadata/properties" xmlns:xsi="http://www.w3.org/2001/XMLSchema-instance" xmlns:pc="http://schemas.microsoft.com/office/infopath/2007/PartnerControls">
-  <documentManagement>
-    <DirectSourceMarket xmlns="4873beb7-5857-4685-be1f-d57550cc96cc" xsi:nil="true"/>
-    <ApprovalStatus xmlns="4873beb7-5857-4685-be1f-d57550cc96cc">InProgress</ApprovalStatus>
-    <MarketSpecific xmlns="4873beb7-5857-4685-be1f-d57550cc96cc">false</MarketSpecific>
-    <LocComments xmlns="4873beb7-5857-4685-be1f-d57550cc96cc" xsi:nil="true"/>
-    <ThumbnailAssetId xmlns="4873beb7-5857-4685-be1f-d57550cc96cc" xsi:nil="true"/>
-    <PrimaryImageGen xmlns="4873beb7-5857-4685-be1f-d57550cc96cc">true</PrimaryImageGen>
-    <LegacyData xmlns="4873beb7-5857-4685-be1f-d57550cc96cc" xsi:nil="true"/>
-    <LocRecommendedHandoff xmlns="4873beb7-5857-4685-be1f-d57550cc96cc" xsi:nil="true"/>
-    <BusinessGroup xmlns="4873beb7-5857-4685-be1f-d57550cc96cc" xsi:nil="true"/>
-    <BlockPublish xmlns="4873beb7-5857-4685-be1f-d57550cc96cc">false</BlockPublish>
-    <TPFriendlyName xmlns="4873beb7-5857-4685-be1f-d57550cc96cc" xsi:nil="true"/>
-    <NumericId xmlns="4873beb7-5857-4685-be1f-d57550cc96cc" xsi:nil="true"/>
-    <APEditor xmlns="4873beb7-5857-4685-be1f-d57550cc96cc">
-      <UserInfo>
-        <DisplayName/>
-        <AccountId xsi:nil="true"/>
-        <AccountType/>
-      </UserInfo>
-    </APEditor>
-    <SourceTitle xmlns="4873beb7-5857-4685-be1f-d57550cc96cc" xsi:nil="true"/>
-    <OpenTemplate xmlns="4873beb7-5857-4685-be1f-d57550cc96cc">true</OpenTemplate>
-    <UALocComments xmlns="4873beb7-5857-4685-be1f-d57550cc96cc" xsi:nil="true"/>
-    <ParentAssetId xmlns="4873beb7-5857-4685-be1f-d57550cc96cc" xsi:nil="true"/>
-    <IntlLangReviewDate xmlns="4873beb7-5857-4685-be1f-d57550cc96cc" xsi:nil="true"/>
-    <FeatureTagsTaxHTField0 xmlns="4873beb7-5857-4685-be1f-d57550cc96cc">
-      <Terms xmlns="http://schemas.microsoft.com/office/infopath/2007/PartnerControls"/>
-    </FeatureTagsTaxHTField0>
-    <PublishStatusLookup xmlns="4873beb7-5857-4685-be1f-d57550cc96cc">
-      <Value>1564227</Value>
-    </PublishStatusLookup>
-    <Providers xmlns="4873beb7-5857-4685-be1f-d57550cc96cc" xsi:nil="true"/>
-    <MachineTranslated xmlns="4873beb7-5857-4685-be1f-d57550cc96cc">false</MachineTranslated>
-    <OriginalSourceMarket xmlns="4873beb7-5857-4685-be1f-d57550cc96cc" xsi:nil="true"/>
-    <APDescription xmlns="4873beb7-5857-4685-be1f-d57550cc96cc">Take your audience through a digital tunnel where they'll  burst through to the other side and see the information you want to present. Show them lists, charts, tables, SmartArt,  and pictures using a variety of layouts in widescreen (16X9) format. This design works well for subjects on science and technology, computers, communication, and more.   
-</APDescription>
-    <ClipArtFilename xmlns="4873beb7-5857-4685-be1f-d57550cc96cc" xsi:nil="true"/>
-    <ContentItem xmlns="4873beb7-5857-4685-be1f-d57550cc96cc" xsi:nil="true"/>
-    <TPInstallLocation xmlns="4873beb7-5857-4685-be1f-d57550cc96cc" xsi:nil="true"/>
-    <PublishTargets xmlns="4873beb7-5857-4685-be1f-d57550cc96cc">OfficeOnlineVNext</PublishTargets>
-    <TimesCloned xmlns="4873beb7-5857-4685-be1f-d57550cc96cc" xsi:nil="true"/>
-    <AssetStart xmlns="4873beb7-5857-4685-be1f-d57550cc96cc">2012-05-11T02:04:00+00:00</AssetStart>
-    <Provider xmlns="4873beb7-5857-4685-be1f-d57550cc96cc" xsi:nil="true"/>
-    <AcquiredFrom xmlns="4873beb7-5857-4685-be1f-d57550cc96cc">Internal MS</AcquiredFrom>
-    <FriendlyTitle xmlns="4873beb7-5857-4685-be1f-d57550cc96cc" xsi:nil="true"/>
-    <LastHandOff xmlns="4873beb7-5857-4685-be1f-d57550cc96cc" xsi:nil="true"/>
-    <TPClientViewer xmlns="4873beb7-5857-4685-be1f-d57550cc96cc" xsi:nil="true"/>
-    <UACurrentWords xmlns="4873beb7-5857-4685-be1f-d57550cc96cc" xsi:nil="true"/>
-    <ArtSampleDocs xmlns="4873beb7-5857-4685-be1f-d57550cc96cc" xsi:nil="true"/>
-    <UALocRecommendation xmlns="4873beb7-5857-4685-be1f-d57550cc96cc">Localize</UALocRecommendation>
-    <Manager xmlns="4873beb7-5857-4685-be1f-d57550cc96cc" xsi:nil="true"/>
-    <ShowIn xmlns="4873beb7-5857-4685-be1f-d57550cc96cc">Show everywhere</ShowIn>
-    <UANotes xmlns="4873beb7-5857-4685-be1f-d57550cc96cc" xsi:nil="true"/>
-    <TemplateStatus xmlns="4873beb7-5857-4685-be1f-d57550cc96cc">Complete</TemplateStatus>
-    <InternalTagsTaxHTField0 xmlns="4873beb7-5857-4685-be1f-d57550cc96cc">
-      <Terms xmlns="http://schemas.microsoft.com/office/infopath/2007/PartnerControls"/>
-    </InternalTagsTaxHTField0>
-    <CSXHash xmlns="4873beb7-5857-4685-be1f-d57550cc96cc" xsi:nil="true"/>
-    <Downloads xmlns="4873beb7-5857-4685-be1f-d57550cc96cc">0</Downloads>
-    <VoteCount xmlns="4873beb7-5857-4685-be1f-d57550cc96cc" xsi:nil="true"/>
-    <OOCacheId xmlns="4873beb7-5857-4685-be1f-d57550cc96cc" xsi:nil="true"/>
-    <IsDeleted xmlns="4873beb7-5857-4685-be1f-d57550cc96cc">false</IsDeleted>
-    <AssetExpire xmlns="4873beb7-5857-4685-be1f-d57550cc96cc">2029-01-01T08:00:00+00:00</AssetExpire>
-    <DSATActionTaken xmlns="4873beb7-5857-4685-be1f-d57550cc96cc" xsi:nil="true"/>
-    <CSXSubmissionMarket xmlns="4873beb7-5857-4685-be1f-d57550cc96cc" xsi:nil="true"/>
-    <TPExecutable xmlns="4873beb7-5857-4685-be1f-d57550cc96cc" xsi:nil="true"/>
-    <SubmitterId xmlns="4873beb7-5857-4685-be1f-d57550cc96cc" xsi:nil="true"/>
-    <EditorialTags xmlns="4873beb7-5857-4685-be1f-d57550cc96cc" xsi:nil="true"/>
-    <ApprovalLog xmlns="4873beb7-5857-4685-be1f-d57550cc96cc" xsi:nil="true"/>
-    <AssetType xmlns="4873beb7-5857-4685-be1f-d57550cc96cc">TP</AssetType>
-    <BugNumber xmlns="4873beb7-5857-4685-be1f-d57550cc96cc" xsi:nil="true"/>
-    <CSXSubmissionDate xmlns="4873beb7-5857-4685-be1f-d57550cc96cc" xsi:nil="true"/>
-    <CSXUpdate xmlns="4873beb7-5857-4685-be1f-d57550cc96cc">false</CSXUpdate>
-    <Milestone xmlns="4873beb7-5857-4685-be1f-d57550cc96cc" xsi:nil="true"/>
-    <RecommendationsModifier xmlns="4873beb7-5857-4685-be1f-d57550cc96cc" xsi:nil="true"/>
-    <OriginAsset xmlns="4873beb7-5857-4685-be1f-d57550cc96cc" xsi:nil="true"/>
-    <TPComponent xmlns="4873beb7-5857-4685-be1f-d57550cc96cc" xsi:nil="true"/>
-    <AssetId xmlns="4873beb7-5857-4685-be1f-d57550cc96cc">TP102895246</AssetId>
-    <IntlLocPriority xmlns="4873beb7-5857-4685-be1f-d57550cc96cc" xsi:nil="true"/>
-    <PolicheckWords xmlns="4873beb7-5857-4685-be1f-d57550cc96cc" xsi:nil="true"/>
-    <TPLaunchHelpLink xmlns="4873beb7-5857-4685-be1f-d57550cc96cc" xsi:nil="true"/>
-    <TPApplication xmlns="4873beb7-5857-4685-be1f-d57550cc96cc" xsi:nil="true"/>
-    <CrawlForDependencies xmlns="4873beb7-5857-4685-be1f-d57550cc96cc">false</CrawlForDependencies>
-    <HandoffToMSDN xmlns="4873beb7-5857-4685-be1f-d57550cc96cc" xsi:nil="true"/>
-    <PlannedPubDate xmlns="4873beb7-5857-4685-be1f-d57550cc96cc" xsi:nil="true"/>
-    <IntlLangReviewer xmlns="4873beb7-5857-4685-be1f-d57550cc96cc" xsi:nil="true"/>
-    <TrustLevel xmlns="4873beb7-5857-4685-be1f-d57550cc96cc">1 Microsoft Managed Content</TrustLevel>
-    <LocLastLocAttemptVersionLookup xmlns="4873beb7-5857-4685-be1f-d57550cc96cc">835483</LocLastLocAttemptVersionLookup>
-    <IsSearchable xmlns="4873beb7-5857-4685-be1f-d57550cc96cc">true</IsSearchable>
-    <TemplateTemplateType xmlns="4873beb7-5857-4685-be1f-d57550cc96cc">PowerPoint Presentation Template</TemplateTemplateType>
-    <CampaignTagsTaxHTField0 xmlns="4873beb7-5857-4685-be1f-d57550cc96cc">
-      <Terms xmlns="http://schemas.microsoft.com/office/infopath/2007/PartnerControls"/>
-    </CampaignTagsTaxHTField0>
-    <TPNamespace xmlns="4873beb7-5857-4685-be1f-d57550cc96cc" xsi:nil="true"/>
-    <TaxCatchAll xmlns="4873beb7-5857-4685-be1f-d57550cc96cc"/>
-    <Markets xmlns="4873beb7-5857-4685-be1f-d57550cc96cc"/>
-    <UAProjectedTotalWords xmlns="4873beb7-5857-4685-be1f-d57550cc96cc" xsi:nil="true"/>
-    <IntlLangReview xmlns="4873beb7-5857-4685-be1f-d57550cc96cc">false</IntlLangReview>
-    <OutputCachingOn xmlns="4873beb7-5857-4685-be1f-d57550cc96cc">false</OutputCachingOn>
-    <AverageRating xmlns="4873beb7-5857-4685-be1f-d57550cc96cc" xsi:nil="true"/>
-    <APAuthor xmlns="4873beb7-5857-4685-be1f-d57550cc96cc">
-      <UserInfo>
-        <DisplayName>REDMOND\v-vaddu</DisplayName>
-        <AccountId>2567</AccountId>
-        <AccountType/>
-      </UserInfo>
-    </APAuthor>
-    <LocManualTestRequired xmlns="4873beb7-5857-4685-be1f-d57550cc96cc">false</LocManualTestRequired>
-    <TPCommandLine xmlns="4873beb7-5857-4685-be1f-d57550cc96cc" xsi:nil="true"/>
-    <TPAppVersion xmlns="4873beb7-5857-4685-be1f-d57550cc96cc" xsi:nil="true"/>
-    <EditorialStatus xmlns="4873beb7-5857-4685-be1f-d57550cc96cc">Complete</EditorialStatus>
-    <LastModifiedDateTime xmlns="4873beb7-5857-4685-be1f-d57550cc96cc" xsi:nil="true"/>
-    <ScenarioTagsTaxHTField0 xmlns="4873beb7-5857-4685-be1f-d57550cc96cc">
-      <Terms xmlns="http://schemas.microsoft.com/office/infopath/2007/PartnerControls"/>
-    </ScenarioTagsTaxHTField0>
-    <OriginalRelease xmlns="4873beb7-5857-4685-be1f-d57550cc96cc">15</OriginalRelease>
-    <TPLaunchHelpLinkType xmlns="4873beb7-5857-4685-be1f-d57550cc96cc">Template</TPLaunchHelpLinkType>
-    <LocalizationTagsTaxHTField0 xmlns="4873beb7-5857-4685-be1f-d57550cc96cc">
-      <Terms xmlns="http://schemas.microsoft.com/office/infopath/2007/PartnerControls"/>
-    </LocalizationTagsTaxHTField0>
-    <LocMarketGroupTiers2 xmlns="4873beb7-5857-4685-be1f-d57550cc96cc" xsi:nil="true"/>
-  </documentManagement>
-</p:properties>
+<?mso-contentType ?>
+<FormTemplates xmlns="http://schemas.microsoft.com/sharepoint/v3/contenttype/forms">
+  <Display>DocumentLibraryForm</Display>
+  <Edit>AssetEditForm</Edit>
+  <New>DocumentLibraryForm</New>
+</FormTemplates>
 </file>
 
 <file path=customXml/itemProps1.xml><?xml version="1.0" encoding="utf-8"?>
-<ds:datastoreItem xmlns:ds="http://schemas.openxmlformats.org/officeDocument/2006/customXml" ds:itemID="{74228E6B-D70C-44BB-A81F-A245495F612B}">
+<ds:datastoreItem xmlns:ds="http://schemas.openxmlformats.org/officeDocument/2006/customXml" ds:itemID="{00E41224-0370-4595-877C-23316CD80004}">
   <ds:schemaRefs>
-    <ds:schemaRef ds:uri="http://schemas.microsoft.com/sharepoint/v3/contenttype/forms"/>
+    <ds:schemaRef ds:uri="http://purl.org/dc/elements/1.1/"/>
+    <ds:schemaRef ds:uri="http://schemas.microsoft.com/office/2006/metadata/properties"/>
+    <ds:schemaRef ds:uri="http://schemas.openxmlformats.org/package/2006/metadata/core-properties"/>
+    <ds:schemaRef ds:uri="http://schemas.microsoft.com/office/infopath/2007/PartnerControls"/>
+    <ds:schemaRef ds:uri="http://purl.org/dc/terms/"/>
+    <ds:schemaRef ds:uri="http://schemas.microsoft.com/office/2006/documentManagement/types"/>
+    <ds:schemaRef ds:uri="4873beb7-5857-4685-be1f-d57550cc96cc"/>
+    <ds:schemaRef ds:uri="http://www.w3.org/XML/1998/namespace"/>
+    <ds:schemaRef ds:uri="http://purl.org/dc/dcmitype/"/>
   </ds:schemaRefs>
 </ds:datastoreItem>
 </file>
@@ -8255,17 +8267,9 @@
 </file>
 
 <file path=customXml/itemProps3.xml><?xml version="1.0" encoding="utf-8"?>
-<ds:datastoreItem xmlns:ds="http://schemas.openxmlformats.org/officeDocument/2006/customXml" ds:itemID="{00E41224-0370-4595-877C-23316CD80004}">
+<ds:datastoreItem xmlns:ds="http://schemas.openxmlformats.org/officeDocument/2006/customXml" ds:itemID="{74228E6B-D70C-44BB-A81F-A245495F612B}">
   <ds:schemaRefs>
-    <ds:schemaRef ds:uri="http://purl.org/dc/elements/1.1/"/>
-    <ds:schemaRef ds:uri="http://schemas.microsoft.com/office/2006/metadata/properties"/>
-    <ds:schemaRef ds:uri="http://schemas.openxmlformats.org/package/2006/metadata/core-properties"/>
-    <ds:schemaRef ds:uri="http://schemas.microsoft.com/office/infopath/2007/PartnerControls"/>
-    <ds:schemaRef ds:uri="http://purl.org/dc/terms/"/>
-    <ds:schemaRef ds:uri="http://schemas.microsoft.com/office/2006/documentManagement/types"/>
-    <ds:schemaRef ds:uri="4873beb7-5857-4685-be1f-d57550cc96cc"/>
-    <ds:schemaRef ds:uri="http://www.w3.org/XML/1998/namespace"/>
-    <ds:schemaRef ds:uri="http://purl.org/dc/dcmitype/"/>
+    <ds:schemaRef ds:uri="http://schemas.microsoft.com/sharepoint/v3/contenttype/forms"/>
   </ds:schemaRefs>
 </ds:datastoreItem>
 </file>